--- a/OS/Day 12_Memory Fragmentation Solution.pptx
+++ b/OS/Day 12_Memory Fragmentation Solution.pptx
@@ -5,7 +5,7 @@
     <p:sldMasterId id="2147483672" r:id="rId1"/>
   </p:sldMasterIdLst>
   <p:notesMasterIdLst>
-    <p:notesMasterId r:id="rId25"/>
+    <p:notesMasterId r:id="rId31"/>
   </p:notesMasterIdLst>
   <p:sldIdLst>
     <p:sldId id="274" r:id="rId2"/>
@@ -30,7 +30,13 @@
     <p:sldId id="339" r:id="rId21"/>
     <p:sldId id="340" r:id="rId22"/>
     <p:sldId id="341" r:id="rId23"/>
-    <p:sldId id="273" r:id="rId24"/>
+    <p:sldId id="342" r:id="rId24"/>
+    <p:sldId id="343" r:id="rId25"/>
+    <p:sldId id="344" r:id="rId26"/>
+    <p:sldId id="345" r:id="rId27"/>
+    <p:sldId id="346" r:id="rId28"/>
+    <p:sldId id="347" r:id="rId29"/>
+    <p:sldId id="273" r:id="rId30"/>
   </p:sldIdLst>
   <p:sldSz cx="12192000" cy="10799763"/>
   <p:notesSz cx="6858000" cy="9144000"/>
@@ -219,7 +225,7 @@
           <a:p>
             <a:fld id="{4863A9F1-D3B3-6D40-BF0F-1015008DBA70}" type="datetimeFigureOut">
               <a:rPr kumimoji="1" lang="ko-KR" altLang="en-US" smtClean="0"/>
-              <a:t>2021. 10. 1.</a:t>
+              <a:t>2021. 10. 5.</a:t>
             </a:fld>
             <a:endParaRPr kumimoji="1" lang="ko-KR" altLang="en-US"/>
           </a:p>
@@ -2244,12 +2250,7 @@
             <p:ph type="sldImg"/>
           </p:nvPr>
         </p:nvSpPr>
-        <p:spPr>
-          <a:xfrm>
-            <a:off x="1687513" y="1143000"/>
-            <a:ext cx="3482975" cy="3086100"/>
-          </a:xfrm>
-        </p:spPr>
+        <p:spPr/>
       </p:sp>
       <p:sp>
         <p:nvSpPr>
@@ -2267,217 +2268,28 @@
           <a:lstStyle/>
           <a:p>
             <a:r>
-              <a:rPr kumimoji="1" lang="en-US" altLang="ko-KR" dirty="0"/>
-              <a:t>[</a:t>
-            </a:r>
-            <a:r>
-              <a:rPr kumimoji="1" lang="ko-KR" altLang="en-US" dirty="0"/>
-              <a:t>참고</a:t>
-            </a:r>
-            <a:r>
-              <a:rPr kumimoji="1" lang="en-US" altLang="ko-KR" dirty="0"/>
-              <a:t>]</a:t>
-            </a:r>
-          </a:p>
-          <a:p>
-            <a:endParaRPr kumimoji="1" lang="en-US" altLang="ko-KR" dirty="0"/>
-          </a:p>
-          <a:p>
-            <a:r>
-              <a:rPr kumimoji="1" lang="en-US" altLang="ko-KR" dirty="0"/>
-              <a:t>https://nevertheless-</a:t>
-            </a:r>
-            <a:r>
-              <a:rPr kumimoji="1" lang="en-US" altLang="ko-KR" dirty="0" err="1"/>
-              <a:t>intheworld.tistory.com</a:t>
-            </a:r>
-            <a:r>
-              <a:rPr kumimoji="1" lang="en-US" altLang="ko-KR" dirty="0"/>
-              <a:t>/8</a:t>
-            </a:r>
-          </a:p>
-          <a:p>
-            <a:r>
-              <a:rPr kumimoji="1" lang="en-US" altLang="ko-KR" dirty="0"/>
-              <a:t>https://</a:t>
-            </a:r>
-            <a:r>
-              <a:rPr kumimoji="1" lang="en-US" altLang="ko-KR" dirty="0" err="1"/>
-              <a:t>junsday.tistory.com</a:t>
-            </a:r>
-            <a:r>
-              <a:rPr kumimoji="1" lang="en-US" altLang="ko-KR" dirty="0"/>
-              <a:t>/36</a:t>
-            </a:r>
-          </a:p>
-          <a:p>
-            <a:r>
-              <a:rPr kumimoji="1" lang="en-US" altLang="ko-KR" dirty="0"/>
-              <a:t>https://</a:t>
-            </a:r>
-            <a:r>
-              <a:rPr kumimoji="1" lang="en-US" altLang="ko-KR" dirty="0" err="1"/>
-              <a:t>younggwan.tistory.com</a:t>
-            </a:r>
-            <a:r>
-              <a:rPr kumimoji="1" lang="en-US" altLang="ko-KR" dirty="0"/>
-              <a:t>/43</a:t>
-            </a:r>
-          </a:p>
-          <a:p>
-            <a:r>
-              <a:rPr kumimoji="1" lang="en-US" altLang="ko-KR" dirty="0"/>
-              <a:t>https://junghyun100.github.io/%EB%A9%94%EB%AA%A8%EB%A6%AC%EB%8B%A8%ED%8E%B8%ED%99%94/</a:t>
-            </a:r>
-          </a:p>
-          <a:p>
-            <a:r>
-              <a:rPr kumimoji="1" lang="en-US" altLang="ko-KR" dirty="0"/>
-              <a:t>https://</a:t>
-            </a:r>
-            <a:r>
-              <a:rPr kumimoji="1" lang="en-US" altLang="ko-KR" dirty="0" err="1"/>
-              <a:t>gamedevlog.tistory.com</a:t>
-            </a:r>
-            <a:r>
-              <a:rPr kumimoji="1" lang="en-US" altLang="ko-KR" dirty="0"/>
-              <a:t>/82</a:t>
-            </a:r>
-          </a:p>
-          <a:p>
-            <a:r>
-              <a:rPr kumimoji="1" lang="en-US" altLang="ko-KR" dirty="0"/>
-              <a:t>https://</a:t>
-            </a:r>
-            <a:r>
-              <a:rPr kumimoji="1" lang="en-US" altLang="ko-KR" dirty="0" err="1"/>
-              <a:t>beenii.tistory.com</a:t>
-            </a:r>
-            <a:r>
-              <a:rPr kumimoji="1" lang="en-US" altLang="ko-KR" dirty="0"/>
-              <a:t>/162</a:t>
-            </a:r>
-          </a:p>
-          <a:p>
-            <a:r>
-              <a:rPr kumimoji="1" lang="en-US" altLang="ko-KR" dirty="0"/>
-              <a:t>https://</a:t>
-            </a:r>
-            <a:r>
-              <a:rPr kumimoji="1" lang="en-US" altLang="ko-KR" dirty="0" err="1"/>
-              <a:t>m.blog.naver.com</a:t>
-            </a:r>
-            <a:r>
-              <a:rPr kumimoji="1" lang="en-US" altLang="ko-KR" dirty="0"/>
-              <a:t>/qbxlvnf11/221367174686</a:t>
-            </a:r>
-          </a:p>
-          <a:p>
-            <a:r>
-              <a:rPr kumimoji="1" lang="en-US" altLang="ko-KR" dirty="0"/>
-              <a:t>https://</a:t>
-            </a:r>
-            <a:r>
-              <a:rPr kumimoji="1" lang="en-US" altLang="ko-KR" dirty="0" err="1"/>
-              <a:t>defacto-standard.tistory.com</a:t>
-            </a:r>
-            <a:r>
-              <a:rPr kumimoji="1" lang="en-US" altLang="ko-KR" dirty="0"/>
-              <a:t>/149</a:t>
-            </a:r>
-          </a:p>
-          <a:p>
-            <a:r>
-              <a:rPr kumimoji="1" lang="en-US" altLang="ko-KR" dirty="0"/>
-              <a:t>https://kosaf04pyh.tistory.com/40</a:t>
-            </a:r>
-          </a:p>
-          <a:p>
-            <a:r>
-              <a:rPr kumimoji="1" lang="en-US" altLang="ko-KR" dirty="0"/>
-              <a:t>https://</a:t>
-            </a:r>
-            <a:r>
-              <a:rPr kumimoji="1" lang="en-US" altLang="ko-KR" dirty="0" err="1"/>
-              <a:t>jhnyang.tistory.com</a:t>
-            </a:r>
-            <a:r>
-              <a:rPr kumimoji="1" lang="en-US" altLang="ko-KR" dirty="0"/>
-              <a:t>/290</a:t>
-            </a:r>
-          </a:p>
-          <a:p>
-            <a:r>
-              <a:rPr kumimoji="1" lang="en-US" altLang="ko-KR" dirty="0"/>
-              <a:t>https://</a:t>
-            </a:r>
-            <a:r>
-              <a:rPr kumimoji="1" lang="en-US" altLang="ko-KR" dirty="0" err="1"/>
-              <a:t>www.youtube.com</a:t>
-            </a:r>
-            <a:r>
-              <a:rPr kumimoji="1" lang="en-US" altLang="ko-KR" dirty="0"/>
-              <a:t>/</a:t>
-            </a:r>
-            <a:r>
-              <a:rPr kumimoji="1" lang="en-US" altLang="ko-KR" dirty="0" err="1"/>
-              <a:t>watch?v</a:t>
-            </a:r>
-            <a:r>
-              <a:rPr kumimoji="1" lang="en-US" altLang="ko-KR" dirty="0"/>
-              <a:t>=Zpfya69taNo</a:t>
-            </a:r>
-          </a:p>
-          <a:p>
-            <a:r>
-              <a:rPr kumimoji="1" lang="en-US" altLang="ko-KR" dirty="0"/>
-              <a:t>https://</a:t>
-            </a:r>
-            <a:r>
-              <a:rPr kumimoji="1" lang="en-US" altLang="ko-KR" dirty="0" err="1"/>
-              <a:t>www.youtube.com</a:t>
-            </a:r>
-            <a:r>
-              <a:rPr kumimoji="1" lang="en-US" altLang="ko-KR" dirty="0"/>
-              <a:t>/</a:t>
-            </a:r>
-            <a:r>
-              <a:rPr kumimoji="1" lang="en-US" altLang="ko-KR" dirty="0" err="1"/>
-              <a:t>watch?v</a:t>
-            </a:r>
-            <a:r>
-              <a:rPr kumimoji="1" lang="en-US" altLang="ko-KR" dirty="0"/>
-              <a:t>=8zt_b0zdA7o</a:t>
-            </a:r>
-          </a:p>
-          <a:p>
-            <a:r>
-              <a:rPr kumimoji="1" lang="en-US" altLang="ko-KR" dirty="0"/>
-              <a:t>https://</a:t>
-            </a:r>
-            <a:r>
-              <a:rPr kumimoji="1" lang="en-US" altLang="ko-KR" dirty="0" err="1"/>
-              <a:t>blog.naver.com</a:t>
-            </a:r>
-            <a:r>
-              <a:rPr kumimoji="1" lang="en-US" altLang="ko-KR" dirty="0"/>
-              <a:t>/</a:t>
-            </a:r>
-            <a:r>
-              <a:rPr kumimoji="1" lang="en-US" altLang="ko-KR" dirty="0" err="1"/>
-              <a:t>PostView.naver?blogId</a:t>
-            </a:r>
-            <a:r>
-              <a:rPr kumimoji="1" lang="en-US" altLang="ko-KR" dirty="0"/>
-              <a:t>=</a:t>
-            </a:r>
-            <a:r>
-              <a:rPr kumimoji="1" lang="en-US" altLang="ko-KR" dirty="0" err="1"/>
-              <a:t>ruvendix&amp;logNo</a:t>
-            </a:r>
-            <a:r>
-              <a:rPr kumimoji="1" lang="en-US" altLang="ko-KR" dirty="0"/>
-              <a:t>=221333044853</a:t>
+              <a:rPr kumimoji="1" lang="ko-KR" altLang="en-US" b="0" dirty="0"/>
+              <a:t>즉</a:t>
+            </a:r>
+            <a:r>
+              <a:rPr kumimoji="1" lang="en-US" altLang="ko-KR" b="0" dirty="0"/>
+              <a:t>,</a:t>
+            </a:r>
+            <a:r>
+              <a:rPr kumimoji="1" lang="ko-KR" altLang="en-US" b="0" dirty="0"/>
+              <a:t> 메모리 풀 방식은 필요할 때마다 메모리를 사용하고</a:t>
+            </a:r>
+            <a:r>
+              <a:rPr kumimoji="1" lang="en-US" altLang="ko-KR" b="0" dirty="0"/>
+              <a:t>,</a:t>
+            </a:r>
+            <a:r>
+              <a:rPr kumimoji="1" lang="ko-KR" altLang="en-US" b="0" dirty="0"/>
+              <a:t> 다 썼으면 반납하는 방식이다</a:t>
+            </a:r>
+            <a:r>
+              <a:rPr kumimoji="1" lang="en-US" altLang="ko-KR" b="0" dirty="0"/>
+              <a:t>.</a:t>
             </a:r>
           </a:p>
         </p:txBody>
@@ -2500,6 +2312,848 @@
             <a:fld id="{C03E5A11-8595-A54E-AE35-558F0F73A0C7}" type="slidenum">
               <a:rPr kumimoji="1" lang="ko-KR" altLang="en-US" smtClean="0"/>
               <a:t>23</a:t>
+            </a:fld>
+            <a:endParaRPr kumimoji="1" lang="ko-KR" altLang="en-US"/>
+          </a:p>
+        </p:txBody>
+      </p:sp>
+    </p:spTree>
+    <p:extLst>
+      <p:ext uri="{BB962C8B-B14F-4D97-AF65-F5344CB8AC3E}">
+        <p14:creationId xmlns:p14="http://schemas.microsoft.com/office/powerpoint/2010/main" val="3474432879"/>
+      </p:ext>
+    </p:extLst>
+  </p:cSld>
+  <p:clrMapOvr>
+    <a:masterClrMapping/>
+  </p:clrMapOvr>
+</p:notes>
+</file>
+
+<file path=ppt/notesSlides/notesSlide24.xml><?xml version="1.0" encoding="utf-8"?>
+<p:notes xmlns:a="http://schemas.openxmlformats.org/drawingml/2006/main" xmlns:r="http://schemas.openxmlformats.org/officeDocument/2006/relationships" xmlns:p="http://schemas.openxmlformats.org/presentationml/2006/main">
+  <p:cSld>
+    <p:spTree>
+      <p:nvGrpSpPr>
+        <p:cNvPr id="1" name=""/>
+        <p:cNvGrpSpPr/>
+        <p:nvPr/>
+      </p:nvGrpSpPr>
+      <p:grpSpPr>
+        <a:xfrm>
+          <a:off x="0" y="0"/>
+          <a:ext cx="0" cy="0"/>
+          <a:chOff x="0" y="0"/>
+          <a:chExt cx="0" cy="0"/>
+        </a:xfrm>
+      </p:grpSpPr>
+      <p:sp>
+        <p:nvSpPr>
+          <p:cNvPr id="2" name="슬라이드 이미지 개체 틀 1"/>
+          <p:cNvSpPr>
+            <a:spLocks noGrp="1" noRot="1" noChangeAspect="1"/>
+          </p:cNvSpPr>
+          <p:nvPr>
+            <p:ph type="sldImg"/>
+          </p:nvPr>
+        </p:nvSpPr>
+        <p:spPr/>
+      </p:sp>
+      <p:sp>
+        <p:nvSpPr>
+          <p:cNvPr id="3" name="슬라이드 노트 개체 틀 2"/>
+          <p:cNvSpPr>
+            <a:spLocks noGrp="1"/>
+          </p:cNvSpPr>
+          <p:nvPr>
+            <p:ph type="body" idx="1"/>
+          </p:nvPr>
+        </p:nvSpPr>
+        <p:spPr/>
+        <p:txBody>
+          <a:bodyPr/>
+          <a:lstStyle/>
+          <a:p>
+            <a:r>
+              <a:rPr kumimoji="1" lang="ko-KR" altLang="en-US" b="0" dirty="0"/>
+              <a:t>메모리 풀은 메모리의 일정 공간을 미리 할당하고</a:t>
+            </a:r>
+            <a:r>
+              <a:rPr kumimoji="1" lang="en-US" altLang="ko-KR" b="0" dirty="0"/>
+              <a:t>,</a:t>
+            </a:r>
+            <a:r>
+              <a:rPr kumimoji="1" lang="ko-KR" altLang="en-US" b="0" dirty="0"/>
+              <a:t> 필요할 때 가져다 쓰고 반납하기 때문에 할당과 해제로 인한 외부 단편화가 발생하지 않는다</a:t>
+            </a:r>
+            <a:r>
+              <a:rPr kumimoji="1" lang="en-US" altLang="ko-KR" b="0" dirty="0"/>
+              <a:t>!</a:t>
+            </a:r>
+          </a:p>
+        </p:txBody>
+      </p:sp>
+      <p:sp>
+        <p:nvSpPr>
+          <p:cNvPr id="4" name="슬라이드 번호 개체 틀 3"/>
+          <p:cNvSpPr>
+            <a:spLocks noGrp="1"/>
+          </p:cNvSpPr>
+          <p:nvPr>
+            <p:ph type="sldNum" sz="quarter" idx="5"/>
+          </p:nvPr>
+        </p:nvSpPr>
+        <p:spPr/>
+        <p:txBody>
+          <a:bodyPr/>
+          <a:lstStyle/>
+          <a:p>
+            <a:fld id="{C03E5A11-8595-A54E-AE35-558F0F73A0C7}" type="slidenum">
+              <a:rPr kumimoji="1" lang="ko-KR" altLang="en-US" smtClean="0"/>
+              <a:t>24</a:t>
+            </a:fld>
+            <a:endParaRPr kumimoji="1" lang="ko-KR" altLang="en-US"/>
+          </a:p>
+        </p:txBody>
+      </p:sp>
+    </p:spTree>
+    <p:extLst>
+      <p:ext uri="{BB962C8B-B14F-4D97-AF65-F5344CB8AC3E}">
+        <p14:creationId xmlns:p14="http://schemas.microsoft.com/office/powerpoint/2010/main" val="1778792812"/>
+      </p:ext>
+    </p:extLst>
+  </p:cSld>
+  <p:clrMapOvr>
+    <a:masterClrMapping/>
+  </p:clrMapOvr>
+</p:notes>
+</file>
+
+<file path=ppt/notesSlides/notesSlide25.xml><?xml version="1.0" encoding="utf-8"?>
+<p:notes xmlns:a="http://schemas.openxmlformats.org/drawingml/2006/main" xmlns:r="http://schemas.openxmlformats.org/officeDocument/2006/relationships" xmlns:p="http://schemas.openxmlformats.org/presentationml/2006/main">
+  <p:cSld>
+    <p:spTree>
+      <p:nvGrpSpPr>
+        <p:cNvPr id="1" name=""/>
+        <p:cNvGrpSpPr/>
+        <p:nvPr/>
+      </p:nvGrpSpPr>
+      <p:grpSpPr>
+        <a:xfrm>
+          <a:off x="0" y="0"/>
+          <a:ext cx="0" cy="0"/>
+          <a:chOff x="0" y="0"/>
+          <a:chExt cx="0" cy="0"/>
+        </a:xfrm>
+      </p:grpSpPr>
+      <p:sp>
+        <p:nvSpPr>
+          <p:cNvPr id="2" name="슬라이드 이미지 개체 틀 1"/>
+          <p:cNvSpPr>
+            <a:spLocks noGrp="1" noRot="1" noChangeAspect="1"/>
+          </p:cNvSpPr>
+          <p:nvPr>
+            <p:ph type="sldImg"/>
+          </p:nvPr>
+        </p:nvSpPr>
+        <p:spPr/>
+      </p:sp>
+      <p:sp>
+        <p:nvSpPr>
+          <p:cNvPr id="3" name="슬라이드 노트 개체 틀 2"/>
+          <p:cNvSpPr>
+            <a:spLocks noGrp="1"/>
+          </p:cNvSpPr>
+          <p:nvPr>
+            <p:ph type="body" idx="1"/>
+          </p:nvPr>
+        </p:nvSpPr>
+        <p:spPr/>
+        <p:txBody>
+          <a:bodyPr/>
+          <a:lstStyle/>
+          <a:p>
+            <a:r>
+              <a:rPr kumimoji="1" lang="ko-KR" altLang="en-US" b="0" dirty="0"/>
+              <a:t>또</a:t>
+            </a:r>
+            <a:r>
+              <a:rPr kumimoji="1" lang="en-US" altLang="ko-KR" b="0" dirty="0"/>
+              <a:t>,</a:t>
+            </a:r>
+            <a:r>
+              <a:rPr kumimoji="1" lang="ko-KR" altLang="en-US" b="0" dirty="0"/>
+              <a:t> 메모리 풀은 필요한 만큼만 사용하고 반납하는 방식이기 때문에 내부 단편화가 발생하지 않는다</a:t>
+            </a:r>
+            <a:r>
+              <a:rPr kumimoji="1" lang="en-US" altLang="ko-KR" b="0" dirty="0"/>
+              <a:t>.</a:t>
+            </a:r>
+          </a:p>
+        </p:txBody>
+      </p:sp>
+      <p:sp>
+        <p:nvSpPr>
+          <p:cNvPr id="4" name="슬라이드 번호 개체 틀 3"/>
+          <p:cNvSpPr>
+            <a:spLocks noGrp="1"/>
+          </p:cNvSpPr>
+          <p:nvPr>
+            <p:ph type="sldNum" sz="quarter" idx="5"/>
+          </p:nvPr>
+        </p:nvSpPr>
+        <p:spPr/>
+        <p:txBody>
+          <a:bodyPr/>
+          <a:lstStyle/>
+          <a:p>
+            <a:fld id="{C03E5A11-8595-A54E-AE35-558F0F73A0C7}" type="slidenum">
+              <a:rPr kumimoji="1" lang="ko-KR" altLang="en-US" smtClean="0"/>
+              <a:t>25</a:t>
+            </a:fld>
+            <a:endParaRPr kumimoji="1" lang="ko-KR" altLang="en-US"/>
+          </a:p>
+        </p:txBody>
+      </p:sp>
+    </p:spTree>
+    <p:extLst>
+      <p:ext uri="{BB962C8B-B14F-4D97-AF65-F5344CB8AC3E}">
+        <p14:creationId xmlns:p14="http://schemas.microsoft.com/office/powerpoint/2010/main" val="1944350753"/>
+      </p:ext>
+    </p:extLst>
+  </p:cSld>
+  <p:clrMapOvr>
+    <a:masterClrMapping/>
+  </p:clrMapOvr>
+</p:notes>
+</file>
+
+<file path=ppt/notesSlides/notesSlide26.xml><?xml version="1.0" encoding="utf-8"?>
+<p:notes xmlns:a="http://schemas.openxmlformats.org/drawingml/2006/main" xmlns:r="http://schemas.openxmlformats.org/officeDocument/2006/relationships" xmlns:p="http://schemas.openxmlformats.org/presentationml/2006/main">
+  <p:cSld>
+    <p:spTree>
+      <p:nvGrpSpPr>
+        <p:cNvPr id="1" name=""/>
+        <p:cNvGrpSpPr/>
+        <p:nvPr/>
+      </p:nvGrpSpPr>
+      <p:grpSpPr>
+        <a:xfrm>
+          <a:off x="0" y="0"/>
+          <a:ext cx="0" cy="0"/>
+          <a:chOff x="0" y="0"/>
+          <a:chExt cx="0" cy="0"/>
+        </a:xfrm>
+      </p:grpSpPr>
+      <p:sp>
+        <p:nvSpPr>
+          <p:cNvPr id="2" name="슬라이드 이미지 개체 틀 1"/>
+          <p:cNvSpPr>
+            <a:spLocks noGrp="1" noRot="1" noChangeAspect="1"/>
+          </p:cNvSpPr>
+          <p:nvPr>
+            <p:ph type="sldImg"/>
+          </p:nvPr>
+        </p:nvSpPr>
+        <p:spPr/>
+      </p:sp>
+      <p:sp>
+        <p:nvSpPr>
+          <p:cNvPr id="3" name="슬라이드 노트 개체 틀 2"/>
+          <p:cNvSpPr>
+            <a:spLocks noGrp="1"/>
+          </p:cNvSpPr>
+          <p:nvPr>
+            <p:ph type="body" idx="1"/>
+          </p:nvPr>
+        </p:nvSpPr>
+        <p:spPr/>
+        <p:txBody>
+          <a:bodyPr/>
+          <a:lstStyle/>
+          <a:p>
+            <a:r>
+              <a:rPr kumimoji="1" lang="ko-KR" altLang="en-US" b="0" dirty="0"/>
+              <a:t>하지만</a:t>
+            </a:r>
+            <a:r>
+              <a:rPr kumimoji="1" lang="en-US" altLang="ko-KR" b="0" dirty="0"/>
+              <a:t>,</a:t>
+            </a:r>
+            <a:r>
+              <a:rPr kumimoji="1" lang="ko-KR" altLang="en-US" b="0" dirty="0"/>
+              <a:t> 메모리를 </a:t>
+            </a:r>
+            <a:r>
+              <a:rPr kumimoji="1" lang="ko-KR" altLang="en-US" b="0" dirty="0" err="1"/>
+              <a:t>할당해놓고</a:t>
+            </a:r>
+            <a:r>
+              <a:rPr kumimoji="1" lang="ko-KR" altLang="en-US" b="0" dirty="0"/>
+              <a:t> 사용하지 않는다면</a:t>
+            </a:r>
+            <a:r>
+              <a:rPr kumimoji="1" lang="en-US" altLang="ko-KR" b="0" dirty="0"/>
+              <a:t>?</a:t>
+            </a:r>
+          </a:p>
+        </p:txBody>
+      </p:sp>
+      <p:sp>
+        <p:nvSpPr>
+          <p:cNvPr id="4" name="슬라이드 번호 개체 틀 3"/>
+          <p:cNvSpPr>
+            <a:spLocks noGrp="1"/>
+          </p:cNvSpPr>
+          <p:nvPr>
+            <p:ph type="sldNum" sz="quarter" idx="5"/>
+          </p:nvPr>
+        </p:nvSpPr>
+        <p:spPr/>
+        <p:txBody>
+          <a:bodyPr/>
+          <a:lstStyle/>
+          <a:p>
+            <a:fld id="{C03E5A11-8595-A54E-AE35-558F0F73A0C7}" type="slidenum">
+              <a:rPr kumimoji="1" lang="ko-KR" altLang="en-US" smtClean="0"/>
+              <a:t>26</a:t>
+            </a:fld>
+            <a:endParaRPr kumimoji="1" lang="ko-KR" altLang="en-US"/>
+          </a:p>
+        </p:txBody>
+      </p:sp>
+    </p:spTree>
+    <p:extLst>
+      <p:ext uri="{BB962C8B-B14F-4D97-AF65-F5344CB8AC3E}">
+        <p14:creationId xmlns:p14="http://schemas.microsoft.com/office/powerpoint/2010/main" val="2945445154"/>
+      </p:ext>
+    </p:extLst>
+  </p:cSld>
+  <p:clrMapOvr>
+    <a:masterClrMapping/>
+  </p:clrMapOvr>
+</p:notes>
+</file>
+
+<file path=ppt/notesSlides/notesSlide27.xml><?xml version="1.0" encoding="utf-8"?>
+<p:notes xmlns:a="http://schemas.openxmlformats.org/drawingml/2006/main" xmlns:r="http://schemas.openxmlformats.org/officeDocument/2006/relationships" xmlns:p="http://schemas.openxmlformats.org/presentationml/2006/main">
+  <p:cSld>
+    <p:spTree>
+      <p:nvGrpSpPr>
+        <p:cNvPr id="1" name=""/>
+        <p:cNvGrpSpPr/>
+        <p:nvPr/>
+      </p:nvGrpSpPr>
+      <p:grpSpPr>
+        <a:xfrm>
+          <a:off x="0" y="0"/>
+          <a:ext cx="0" cy="0"/>
+          <a:chOff x="0" y="0"/>
+          <a:chExt cx="0" cy="0"/>
+        </a:xfrm>
+      </p:grpSpPr>
+      <p:sp>
+        <p:nvSpPr>
+          <p:cNvPr id="2" name="슬라이드 이미지 개체 틀 1"/>
+          <p:cNvSpPr>
+            <a:spLocks noGrp="1" noRot="1" noChangeAspect="1"/>
+          </p:cNvSpPr>
+          <p:nvPr>
+            <p:ph type="sldImg"/>
+          </p:nvPr>
+        </p:nvSpPr>
+        <p:spPr/>
+      </p:sp>
+      <p:sp>
+        <p:nvSpPr>
+          <p:cNvPr id="3" name="슬라이드 노트 개체 틀 2"/>
+          <p:cNvSpPr>
+            <a:spLocks noGrp="1"/>
+          </p:cNvSpPr>
+          <p:nvPr>
+            <p:ph type="body" idx="1"/>
+          </p:nvPr>
+        </p:nvSpPr>
+        <p:spPr/>
+        <p:txBody>
+          <a:bodyPr/>
+          <a:lstStyle/>
+          <a:p>
+            <a:r>
+              <a:rPr kumimoji="1" lang="ko-KR" altLang="en-US" b="0" dirty="0"/>
+              <a:t>하지만</a:t>
+            </a:r>
+            <a:r>
+              <a:rPr kumimoji="1" lang="en-US" altLang="ko-KR" b="0" dirty="0"/>
+              <a:t>,</a:t>
+            </a:r>
+            <a:r>
+              <a:rPr kumimoji="1" lang="ko-KR" altLang="en-US" b="0" dirty="0"/>
+              <a:t> 메모리를 </a:t>
+            </a:r>
+            <a:r>
+              <a:rPr kumimoji="1" lang="ko-KR" altLang="en-US" b="0" dirty="0" err="1"/>
+              <a:t>할당해놓고</a:t>
+            </a:r>
+            <a:r>
+              <a:rPr kumimoji="1" lang="ko-KR" altLang="en-US" b="0" dirty="0"/>
+              <a:t> 사용하지 않는다면 메모리 누수가 발생할 수 있다</a:t>
+            </a:r>
+            <a:r>
+              <a:rPr kumimoji="1" lang="en-US" altLang="ko-KR" b="0" dirty="0"/>
+              <a:t>.</a:t>
+            </a:r>
+          </a:p>
+        </p:txBody>
+      </p:sp>
+      <p:sp>
+        <p:nvSpPr>
+          <p:cNvPr id="4" name="슬라이드 번호 개체 틀 3"/>
+          <p:cNvSpPr>
+            <a:spLocks noGrp="1"/>
+          </p:cNvSpPr>
+          <p:nvPr>
+            <p:ph type="sldNum" sz="quarter" idx="5"/>
+          </p:nvPr>
+        </p:nvSpPr>
+        <p:spPr/>
+        <p:txBody>
+          <a:bodyPr/>
+          <a:lstStyle/>
+          <a:p>
+            <a:fld id="{C03E5A11-8595-A54E-AE35-558F0F73A0C7}" type="slidenum">
+              <a:rPr kumimoji="1" lang="ko-KR" altLang="en-US" smtClean="0"/>
+              <a:t>27</a:t>
+            </a:fld>
+            <a:endParaRPr kumimoji="1" lang="ko-KR" altLang="en-US"/>
+          </a:p>
+        </p:txBody>
+      </p:sp>
+    </p:spTree>
+    <p:extLst>
+      <p:ext uri="{BB962C8B-B14F-4D97-AF65-F5344CB8AC3E}">
+        <p14:creationId xmlns:p14="http://schemas.microsoft.com/office/powerpoint/2010/main" val="3691084205"/>
+      </p:ext>
+    </p:extLst>
+  </p:cSld>
+  <p:clrMapOvr>
+    <a:masterClrMapping/>
+  </p:clrMapOvr>
+</p:notes>
+</file>
+
+<file path=ppt/notesSlides/notesSlide28.xml><?xml version="1.0" encoding="utf-8"?>
+<p:notes xmlns:a="http://schemas.openxmlformats.org/drawingml/2006/main" xmlns:r="http://schemas.openxmlformats.org/officeDocument/2006/relationships" xmlns:p="http://schemas.openxmlformats.org/presentationml/2006/main">
+  <p:cSld>
+    <p:spTree>
+      <p:nvGrpSpPr>
+        <p:cNvPr id="1" name=""/>
+        <p:cNvGrpSpPr/>
+        <p:nvPr/>
+      </p:nvGrpSpPr>
+      <p:grpSpPr>
+        <a:xfrm>
+          <a:off x="0" y="0"/>
+          <a:ext cx="0" cy="0"/>
+          <a:chOff x="0" y="0"/>
+          <a:chExt cx="0" cy="0"/>
+        </a:xfrm>
+      </p:grpSpPr>
+      <p:sp>
+        <p:nvSpPr>
+          <p:cNvPr id="2" name="슬라이드 이미지 개체 틀 1"/>
+          <p:cNvSpPr>
+            <a:spLocks noGrp="1" noRot="1" noChangeAspect="1"/>
+          </p:cNvSpPr>
+          <p:nvPr>
+            <p:ph type="sldImg"/>
+          </p:nvPr>
+        </p:nvSpPr>
+        <p:spPr/>
+      </p:sp>
+      <p:sp>
+        <p:nvSpPr>
+          <p:cNvPr id="3" name="슬라이드 노트 개체 틀 2"/>
+          <p:cNvSpPr>
+            <a:spLocks noGrp="1"/>
+          </p:cNvSpPr>
+          <p:nvPr>
+            <p:ph type="body" idx="1"/>
+          </p:nvPr>
+        </p:nvSpPr>
+        <p:spPr/>
+        <p:txBody>
+          <a:bodyPr/>
+          <a:lstStyle/>
+          <a:p>
+            <a:r>
+              <a:rPr kumimoji="1" lang="ko-KR" altLang="en-US" b="0" dirty="0"/>
+              <a:t>즉</a:t>
+            </a:r>
+            <a:r>
+              <a:rPr kumimoji="1" lang="en-US" altLang="ko-KR" b="0" dirty="0"/>
+              <a:t>,</a:t>
+            </a:r>
+            <a:r>
+              <a:rPr kumimoji="1" lang="ko-KR" altLang="en-US" b="0" dirty="0"/>
+              <a:t> 메모리 누수가 발생할 수 있기 때문에</a:t>
+            </a:r>
+            <a:r>
+              <a:rPr kumimoji="1" lang="en-US" altLang="ko-KR" b="0" dirty="0"/>
+              <a:t>,</a:t>
+            </a:r>
+            <a:r>
+              <a:rPr kumimoji="1" lang="ko-KR" altLang="en-US" b="0" dirty="0"/>
+              <a:t> 만약 사용하지 않아서 메모리 누수가 발생하는 게 메모리 </a:t>
+            </a:r>
+            <a:r>
+              <a:rPr kumimoji="1" lang="ko-KR" altLang="en-US" b="0" dirty="0" err="1"/>
+              <a:t>단편화로</a:t>
+            </a:r>
+            <a:r>
+              <a:rPr kumimoji="1" lang="ko-KR" altLang="en-US" b="0" dirty="0"/>
+              <a:t> 인한 낭비보다 더 크다면</a:t>
+            </a:r>
+            <a:r>
+              <a:rPr kumimoji="1" lang="en-US" altLang="ko-KR" b="0" dirty="0"/>
+              <a:t>,</a:t>
+            </a:r>
+            <a:r>
+              <a:rPr kumimoji="1" lang="ko-KR" altLang="en-US" b="0" dirty="0"/>
+              <a:t> 메모리 풀을 사용하지 않는 게 낫다</a:t>
+            </a:r>
+            <a:r>
+              <a:rPr kumimoji="1" lang="en-US" altLang="ko-KR" b="0" dirty="0"/>
+              <a:t>.</a:t>
+            </a:r>
+          </a:p>
+        </p:txBody>
+      </p:sp>
+      <p:sp>
+        <p:nvSpPr>
+          <p:cNvPr id="4" name="슬라이드 번호 개체 틀 3"/>
+          <p:cNvSpPr>
+            <a:spLocks noGrp="1"/>
+          </p:cNvSpPr>
+          <p:nvPr>
+            <p:ph type="sldNum" sz="quarter" idx="5"/>
+          </p:nvPr>
+        </p:nvSpPr>
+        <p:spPr/>
+        <p:txBody>
+          <a:bodyPr/>
+          <a:lstStyle/>
+          <a:p>
+            <a:fld id="{C03E5A11-8595-A54E-AE35-558F0F73A0C7}" type="slidenum">
+              <a:rPr kumimoji="1" lang="ko-KR" altLang="en-US" smtClean="0"/>
+              <a:t>28</a:t>
+            </a:fld>
+            <a:endParaRPr kumimoji="1" lang="ko-KR" altLang="en-US"/>
+          </a:p>
+        </p:txBody>
+      </p:sp>
+    </p:spTree>
+    <p:extLst>
+      <p:ext uri="{BB962C8B-B14F-4D97-AF65-F5344CB8AC3E}">
+        <p14:creationId xmlns:p14="http://schemas.microsoft.com/office/powerpoint/2010/main" val="2277006907"/>
+      </p:ext>
+    </p:extLst>
+  </p:cSld>
+  <p:clrMapOvr>
+    <a:masterClrMapping/>
+  </p:clrMapOvr>
+</p:notes>
+</file>
+
+<file path=ppt/notesSlides/notesSlide29.xml><?xml version="1.0" encoding="utf-8"?>
+<p:notes xmlns:a="http://schemas.openxmlformats.org/drawingml/2006/main" xmlns:r="http://schemas.openxmlformats.org/officeDocument/2006/relationships" xmlns:p="http://schemas.openxmlformats.org/presentationml/2006/main">
+  <p:cSld>
+    <p:spTree>
+      <p:nvGrpSpPr>
+        <p:cNvPr id="1" name=""/>
+        <p:cNvGrpSpPr/>
+        <p:nvPr/>
+      </p:nvGrpSpPr>
+      <p:grpSpPr>
+        <a:xfrm>
+          <a:off x="0" y="0"/>
+          <a:ext cx="0" cy="0"/>
+          <a:chOff x="0" y="0"/>
+          <a:chExt cx="0" cy="0"/>
+        </a:xfrm>
+      </p:grpSpPr>
+      <p:sp>
+        <p:nvSpPr>
+          <p:cNvPr id="2" name="슬라이드 이미지 개체 틀 1"/>
+          <p:cNvSpPr>
+            <a:spLocks noGrp="1" noRot="1" noChangeAspect="1"/>
+          </p:cNvSpPr>
+          <p:nvPr>
+            <p:ph type="sldImg"/>
+          </p:nvPr>
+        </p:nvSpPr>
+        <p:spPr>
+          <a:xfrm>
+            <a:off x="1687513" y="1143000"/>
+            <a:ext cx="3482975" cy="3086100"/>
+          </a:xfrm>
+        </p:spPr>
+      </p:sp>
+      <p:sp>
+        <p:nvSpPr>
+          <p:cNvPr id="3" name="슬라이드 노트 개체 틀 2"/>
+          <p:cNvSpPr>
+            <a:spLocks noGrp="1"/>
+          </p:cNvSpPr>
+          <p:nvPr>
+            <p:ph type="body" idx="1"/>
+          </p:nvPr>
+        </p:nvSpPr>
+        <p:spPr/>
+        <p:txBody>
+          <a:bodyPr/>
+          <a:lstStyle/>
+          <a:p>
+            <a:r>
+              <a:rPr kumimoji="1" lang="en-US" altLang="ko-KR" dirty="0"/>
+              <a:t>[</a:t>
+            </a:r>
+            <a:r>
+              <a:rPr kumimoji="1" lang="ko-KR" altLang="en-US" dirty="0"/>
+              <a:t>참고</a:t>
+            </a:r>
+            <a:r>
+              <a:rPr kumimoji="1" lang="en-US" altLang="ko-KR" dirty="0"/>
+              <a:t>]</a:t>
+            </a:r>
+          </a:p>
+          <a:p>
+            <a:endParaRPr kumimoji="1" lang="en-US" altLang="ko-KR" dirty="0"/>
+          </a:p>
+          <a:p>
+            <a:r>
+              <a:rPr kumimoji="1" lang="en-US" altLang="ko-KR" dirty="0"/>
+              <a:t>https://nevertheless-</a:t>
+            </a:r>
+            <a:r>
+              <a:rPr kumimoji="1" lang="en-US" altLang="ko-KR" dirty="0" err="1"/>
+              <a:t>intheworld.tistory.com</a:t>
+            </a:r>
+            <a:r>
+              <a:rPr kumimoji="1" lang="en-US" altLang="ko-KR" dirty="0"/>
+              <a:t>/8</a:t>
+            </a:r>
+          </a:p>
+          <a:p>
+            <a:r>
+              <a:rPr kumimoji="1" lang="en-US" altLang="ko-KR" dirty="0"/>
+              <a:t>https://</a:t>
+            </a:r>
+            <a:r>
+              <a:rPr kumimoji="1" lang="en-US" altLang="ko-KR" dirty="0" err="1"/>
+              <a:t>junsday.tistory.com</a:t>
+            </a:r>
+            <a:r>
+              <a:rPr kumimoji="1" lang="en-US" altLang="ko-KR" dirty="0"/>
+              <a:t>/36</a:t>
+            </a:r>
+          </a:p>
+          <a:p>
+            <a:r>
+              <a:rPr kumimoji="1" lang="en-US" altLang="ko-KR" dirty="0"/>
+              <a:t>https://</a:t>
+            </a:r>
+            <a:r>
+              <a:rPr kumimoji="1" lang="en-US" altLang="ko-KR" dirty="0" err="1"/>
+              <a:t>younggwan.tistory.com</a:t>
+            </a:r>
+            <a:r>
+              <a:rPr kumimoji="1" lang="en-US" altLang="ko-KR" dirty="0"/>
+              <a:t>/43</a:t>
+            </a:r>
+          </a:p>
+          <a:p>
+            <a:r>
+              <a:rPr kumimoji="1" lang="en-US" altLang="ko-KR" dirty="0"/>
+              <a:t>https://junghyun100.github.io/%EB%A9%94%EB%AA%A8%EB%A6%AC%EB%8B%A8%ED%8E%B8%ED%99%94/</a:t>
+            </a:r>
+          </a:p>
+          <a:p>
+            <a:r>
+              <a:rPr kumimoji="1" lang="en-US" altLang="ko-KR" dirty="0"/>
+              <a:t>https://</a:t>
+            </a:r>
+            <a:r>
+              <a:rPr kumimoji="1" lang="en-US" altLang="ko-KR" dirty="0" err="1"/>
+              <a:t>gamedevlog.tistory.com</a:t>
+            </a:r>
+            <a:r>
+              <a:rPr kumimoji="1" lang="en-US" altLang="ko-KR" dirty="0"/>
+              <a:t>/82</a:t>
+            </a:r>
+          </a:p>
+          <a:p>
+            <a:r>
+              <a:rPr kumimoji="1" lang="en-US" altLang="ko-KR" dirty="0"/>
+              <a:t>https://</a:t>
+            </a:r>
+            <a:r>
+              <a:rPr kumimoji="1" lang="en-US" altLang="ko-KR" dirty="0" err="1"/>
+              <a:t>beenii.tistory.com</a:t>
+            </a:r>
+            <a:r>
+              <a:rPr kumimoji="1" lang="en-US" altLang="ko-KR" dirty="0"/>
+              <a:t>/162</a:t>
+            </a:r>
+          </a:p>
+          <a:p>
+            <a:r>
+              <a:rPr kumimoji="1" lang="en-US" altLang="ko-KR" dirty="0"/>
+              <a:t>https://</a:t>
+            </a:r>
+            <a:r>
+              <a:rPr kumimoji="1" lang="en-US" altLang="ko-KR" dirty="0" err="1"/>
+              <a:t>m.blog.naver.com</a:t>
+            </a:r>
+            <a:r>
+              <a:rPr kumimoji="1" lang="en-US" altLang="ko-KR" dirty="0"/>
+              <a:t>/qbxlvnf11/221367174686</a:t>
+            </a:r>
+          </a:p>
+          <a:p>
+            <a:r>
+              <a:rPr kumimoji="1" lang="en-US" altLang="ko-KR" dirty="0"/>
+              <a:t>https://</a:t>
+            </a:r>
+            <a:r>
+              <a:rPr kumimoji="1" lang="en-US" altLang="ko-KR" dirty="0" err="1"/>
+              <a:t>defacto-standard.tistory.com</a:t>
+            </a:r>
+            <a:r>
+              <a:rPr kumimoji="1" lang="en-US" altLang="ko-KR" dirty="0"/>
+              <a:t>/149</a:t>
+            </a:r>
+          </a:p>
+          <a:p>
+            <a:r>
+              <a:rPr kumimoji="1" lang="en-US" altLang="ko-KR" dirty="0"/>
+              <a:t>https://kosaf04pyh.tistory.com/40</a:t>
+            </a:r>
+          </a:p>
+          <a:p>
+            <a:r>
+              <a:rPr kumimoji="1" lang="en-US" altLang="ko-KR" dirty="0"/>
+              <a:t>https://</a:t>
+            </a:r>
+            <a:r>
+              <a:rPr kumimoji="1" lang="en-US" altLang="ko-KR" dirty="0" err="1"/>
+              <a:t>jhnyang.tistory.com</a:t>
+            </a:r>
+            <a:r>
+              <a:rPr kumimoji="1" lang="en-US" altLang="ko-KR" dirty="0"/>
+              <a:t>/290</a:t>
+            </a:r>
+          </a:p>
+          <a:p>
+            <a:r>
+              <a:rPr kumimoji="1" lang="en-US" altLang="ko-KR" dirty="0"/>
+              <a:t>https://</a:t>
+            </a:r>
+            <a:r>
+              <a:rPr kumimoji="1" lang="en-US" altLang="ko-KR" dirty="0" err="1"/>
+              <a:t>www.youtube.com</a:t>
+            </a:r>
+            <a:r>
+              <a:rPr kumimoji="1" lang="en-US" altLang="ko-KR" dirty="0"/>
+              <a:t>/</a:t>
+            </a:r>
+            <a:r>
+              <a:rPr kumimoji="1" lang="en-US" altLang="ko-KR" dirty="0" err="1"/>
+              <a:t>watch?v</a:t>
+            </a:r>
+            <a:r>
+              <a:rPr kumimoji="1" lang="en-US" altLang="ko-KR" dirty="0"/>
+              <a:t>=Zpfya69taNo</a:t>
+            </a:r>
+          </a:p>
+          <a:p>
+            <a:r>
+              <a:rPr kumimoji="1" lang="en-US" altLang="ko-KR" dirty="0"/>
+              <a:t>https://</a:t>
+            </a:r>
+            <a:r>
+              <a:rPr kumimoji="1" lang="en-US" altLang="ko-KR" dirty="0" err="1"/>
+              <a:t>www.youtube.com</a:t>
+            </a:r>
+            <a:r>
+              <a:rPr kumimoji="1" lang="en-US" altLang="ko-KR" dirty="0"/>
+              <a:t>/</a:t>
+            </a:r>
+            <a:r>
+              <a:rPr kumimoji="1" lang="en-US" altLang="ko-KR" dirty="0" err="1"/>
+              <a:t>watch?v</a:t>
+            </a:r>
+            <a:r>
+              <a:rPr kumimoji="1" lang="en-US" altLang="ko-KR" dirty="0"/>
+              <a:t>=8zt_b0zdA7o</a:t>
+            </a:r>
+          </a:p>
+          <a:p>
+            <a:r>
+              <a:rPr kumimoji="1" lang="en-US" altLang="ko-KR" dirty="0"/>
+              <a:t>https://</a:t>
+            </a:r>
+            <a:r>
+              <a:rPr kumimoji="1" lang="en-US" altLang="ko-KR" dirty="0" err="1"/>
+              <a:t>blog.naver.com</a:t>
+            </a:r>
+            <a:r>
+              <a:rPr kumimoji="1" lang="en-US" altLang="ko-KR" dirty="0"/>
+              <a:t>/</a:t>
+            </a:r>
+            <a:r>
+              <a:rPr kumimoji="1" lang="en-US" altLang="ko-KR" dirty="0" err="1"/>
+              <a:t>PostView.naver?blogId</a:t>
+            </a:r>
+            <a:r>
+              <a:rPr kumimoji="1" lang="en-US" altLang="ko-KR" dirty="0"/>
+              <a:t>=</a:t>
+            </a:r>
+            <a:r>
+              <a:rPr kumimoji="1" lang="en-US" altLang="ko-KR" dirty="0" err="1"/>
+              <a:t>ruvendix&amp;logNo</a:t>
+            </a:r>
+            <a:r>
+              <a:rPr kumimoji="1" lang="en-US" altLang="ko-KR" dirty="0"/>
+              <a:t>=221333044853</a:t>
+            </a:r>
+          </a:p>
+          <a:p>
+            <a:r>
+              <a:rPr kumimoji="1" lang="en-US" altLang="ko-KR" dirty="0"/>
+              <a:t>https://ozt88.tistory.com/31</a:t>
+            </a:r>
+          </a:p>
+        </p:txBody>
+      </p:sp>
+      <p:sp>
+        <p:nvSpPr>
+          <p:cNvPr id="4" name="슬라이드 번호 개체 틀 3"/>
+          <p:cNvSpPr>
+            <a:spLocks noGrp="1"/>
+          </p:cNvSpPr>
+          <p:nvPr>
+            <p:ph type="sldNum" sz="quarter" idx="5"/>
+          </p:nvPr>
+        </p:nvSpPr>
+        <p:spPr/>
+        <p:txBody>
+          <a:bodyPr/>
+          <a:lstStyle/>
+          <a:p>
+            <a:fld id="{C03E5A11-8595-A54E-AE35-558F0F73A0C7}" type="slidenum">
+              <a:rPr kumimoji="1" lang="ko-KR" altLang="en-US" smtClean="0"/>
+              <a:t>29</a:t>
             </a:fld>
             <a:endParaRPr kumimoji="1" lang="ko-KR" altLang="en-US"/>
           </a:p>
@@ -3611,7 +4265,7 @@
           <a:p>
             <a:fld id="{B2916F77-DE83-8045-AE0B-D312DFD17589}" type="datetimeFigureOut">
               <a:rPr kumimoji="1" lang="ko-KR" altLang="en-US" smtClean="0"/>
-              <a:t>2021. 10. 1.</a:t>
+              <a:t>2021. 10. 5.</a:t>
             </a:fld>
             <a:endParaRPr kumimoji="1" lang="ko-KR" altLang="en-US"/>
           </a:p>
@@ -3781,7 +4435,7 @@
           <a:p>
             <a:fld id="{B2916F77-DE83-8045-AE0B-D312DFD17589}" type="datetimeFigureOut">
               <a:rPr kumimoji="1" lang="ko-KR" altLang="en-US" smtClean="0"/>
-              <a:t>2021. 10. 1.</a:t>
+              <a:t>2021. 10. 5.</a:t>
             </a:fld>
             <a:endParaRPr kumimoji="1" lang="ko-KR" altLang="en-US"/>
           </a:p>
@@ -3961,7 +4615,7 @@
           <a:p>
             <a:fld id="{B2916F77-DE83-8045-AE0B-D312DFD17589}" type="datetimeFigureOut">
               <a:rPr kumimoji="1" lang="ko-KR" altLang="en-US" smtClean="0"/>
-              <a:t>2021. 10. 1.</a:t>
+              <a:t>2021. 10. 5.</a:t>
             </a:fld>
             <a:endParaRPr kumimoji="1" lang="ko-KR" altLang="en-US"/>
           </a:p>
@@ -4131,7 +4785,7 @@
           <a:p>
             <a:fld id="{B2916F77-DE83-8045-AE0B-D312DFD17589}" type="datetimeFigureOut">
               <a:rPr kumimoji="1" lang="ko-KR" altLang="en-US" smtClean="0"/>
-              <a:t>2021. 10. 1.</a:t>
+              <a:t>2021. 10. 5.</a:t>
             </a:fld>
             <a:endParaRPr kumimoji="1" lang="ko-KR" altLang="en-US"/>
           </a:p>
@@ -4375,7 +5029,7 @@
           <a:p>
             <a:fld id="{B2916F77-DE83-8045-AE0B-D312DFD17589}" type="datetimeFigureOut">
               <a:rPr kumimoji="1" lang="ko-KR" altLang="en-US" smtClean="0"/>
-              <a:t>2021. 10. 1.</a:t>
+              <a:t>2021. 10. 5.</a:t>
             </a:fld>
             <a:endParaRPr kumimoji="1" lang="ko-KR" altLang="en-US"/>
           </a:p>
@@ -4607,7 +5261,7 @@
           <a:p>
             <a:fld id="{B2916F77-DE83-8045-AE0B-D312DFD17589}" type="datetimeFigureOut">
               <a:rPr kumimoji="1" lang="ko-KR" altLang="en-US" smtClean="0"/>
-              <a:t>2021. 10. 1.</a:t>
+              <a:t>2021. 10. 5.</a:t>
             </a:fld>
             <a:endParaRPr kumimoji="1" lang="ko-KR" altLang="en-US"/>
           </a:p>
@@ -4974,7 +5628,7 @@
           <a:p>
             <a:fld id="{B2916F77-DE83-8045-AE0B-D312DFD17589}" type="datetimeFigureOut">
               <a:rPr kumimoji="1" lang="ko-KR" altLang="en-US" smtClean="0"/>
-              <a:t>2021. 10. 1.</a:t>
+              <a:t>2021. 10. 5.</a:t>
             </a:fld>
             <a:endParaRPr kumimoji="1" lang="ko-KR" altLang="en-US"/>
           </a:p>
@@ -5092,7 +5746,7 @@
           <a:p>
             <a:fld id="{B2916F77-DE83-8045-AE0B-D312DFD17589}" type="datetimeFigureOut">
               <a:rPr kumimoji="1" lang="ko-KR" altLang="en-US" smtClean="0"/>
-              <a:t>2021. 10. 1.</a:t>
+              <a:t>2021. 10. 5.</a:t>
             </a:fld>
             <a:endParaRPr kumimoji="1" lang="ko-KR" altLang="en-US"/>
           </a:p>
@@ -5187,7 +5841,7 @@
           <a:p>
             <a:fld id="{B2916F77-DE83-8045-AE0B-D312DFD17589}" type="datetimeFigureOut">
               <a:rPr kumimoji="1" lang="ko-KR" altLang="en-US" smtClean="0"/>
-              <a:t>2021. 10. 1.</a:t>
+              <a:t>2021. 10. 5.</a:t>
             </a:fld>
             <a:endParaRPr kumimoji="1" lang="ko-KR" altLang="en-US"/>
           </a:p>
@@ -5464,7 +6118,7 @@
           <a:p>
             <a:fld id="{B2916F77-DE83-8045-AE0B-D312DFD17589}" type="datetimeFigureOut">
               <a:rPr kumimoji="1" lang="ko-KR" altLang="en-US" smtClean="0"/>
-              <a:t>2021. 10. 1.</a:t>
+              <a:t>2021. 10. 5.</a:t>
             </a:fld>
             <a:endParaRPr kumimoji="1" lang="ko-KR" altLang="en-US"/>
           </a:p>
@@ -5721,7 +6375,7 @@
           <a:p>
             <a:fld id="{B2916F77-DE83-8045-AE0B-D312DFD17589}" type="datetimeFigureOut">
               <a:rPr kumimoji="1" lang="ko-KR" altLang="en-US" smtClean="0"/>
-              <a:t>2021. 10. 1.</a:t>
+              <a:t>2021. 10. 5.</a:t>
             </a:fld>
             <a:endParaRPr kumimoji="1" lang="ko-KR" altLang="en-US"/>
           </a:p>
@@ -5934,7 +6588,7 @@
           <a:p>
             <a:fld id="{B2916F77-DE83-8045-AE0B-D312DFD17589}" type="datetimeFigureOut">
               <a:rPr kumimoji="1" lang="ko-KR" altLang="en-US" smtClean="0"/>
-              <a:t>2021. 10. 1.</a:t>
+              <a:t>2021. 10. 5.</a:t>
             </a:fld>
             <a:endParaRPr kumimoji="1" lang="ko-KR" altLang="en-US"/>
           </a:p>
@@ -12570,6 +13224,1273 @@
       </p:grpSpPr>
       <p:sp>
         <p:nvSpPr>
+          <p:cNvPr id="6" name="TextBox 5">
+            <a:extLst>
+              <a:ext uri="{FF2B5EF4-FFF2-40B4-BE49-F238E27FC236}">
+                <a16:creationId xmlns:a16="http://schemas.microsoft.com/office/drawing/2014/main" id="{FE175470-028E-124A-8799-B0D7E22BD273}"/>
+              </a:ext>
+            </a:extLst>
+          </p:cNvPr>
+          <p:cNvSpPr txBox="1"/>
+          <p:nvPr/>
+        </p:nvSpPr>
+        <p:spPr>
+          <a:xfrm>
+            <a:off x="2149303" y="2810037"/>
+            <a:ext cx="7893508" cy="5179688"/>
+          </a:xfrm>
+          <a:prstGeom prst="rect">
+            <a:avLst/>
+          </a:prstGeom>
+          <a:noFill/>
+        </p:spPr>
+        <p:txBody>
+          <a:bodyPr wrap="none" rtlCol="0">
+            <a:spAutoFit/>
+          </a:bodyPr>
+          <a:lstStyle/>
+          <a:p>
+            <a:pPr algn="ctr">
+              <a:lnSpc>
+                <a:spcPct val="150000"/>
+              </a:lnSpc>
+            </a:pPr>
+            <a:r>
+              <a:rPr kumimoji="1" lang="ko-KR" altLang="en-US" sz="2800" b="1" dirty="0">
+                <a:latin typeface="+mn-ea"/>
+              </a:rPr>
+              <a:t>메모리의 일정 공간을 미리 할당하고</a:t>
+            </a:r>
+            <a:r>
+              <a:rPr kumimoji="1" lang="en-US" altLang="ko-KR" sz="2800" b="1" dirty="0">
+                <a:latin typeface="+mn-ea"/>
+              </a:rPr>
+              <a:t>,</a:t>
+            </a:r>
+          </a:p>
+          <a:p>
+            <a:pPr algn="ctr">
+              <a:lnSpc>
+                <a:spcPct val="150000"/>
+              </a:lnSpc>
+            </a:pPr>
+            <a:r>
+              <a:rPr kumimoji="1" lang="ko-KR" altLang="en-US" sz="2800" b="1" dirty="0">
+                <a:latin typeface="+mn-ea"/>
+              </a:rPr>
+              <a:t>동적 할당을 하게 되면 그 공간에 채워주는 기법</a:t>
+            </a:r>
+            <a:endParaRPr kumimoji="1" lang="en-US" altLang="ko-KR" sz="2800" b="1" dirty="0">
+              <a:latin typeface="+mn-ea"/>
+            </a:endParaRPr>
+          </a:p>
+          <a:p>
+            <a:pPr algn="ctr">
+              <a:lnSpc>
+                <a:spcPct val="150000"/>
+              </a:lnSpc>
+            </a:pPr>
+            <a:endParaRPr kumimoji="1" lang="en-US" altLang="ko-KR" sz="2800" b="1" dirty="0">
+              <a:latin typeface="+mn-ea"/>
+            </a:endParaRPr>
+          </a:p>
+          <a:p>
+            <a:pPr algn="ctr">
+              <a:lnSpc>
+                <a:spcPct val="150000"/>
+              </a:lnSpc>
+            </a:pPr>
+            <a:r>
+              <a:rPr kumimoji="1" lang="ko-KR" altLang="en-US" sz="2800" b="1" dirty="0">
+                <a:latin typeface="+mn-ea"/>
+              </a:rPr>
+              <a:t>빈번한 메모리 할당과 해제를 필요로 할 때 사용</a:t>
+            </a:r>
+            <a:endParaRPr kumimoji="1" lang="en-US" altLang="ko-KR" sz="2800" b="1" dirty="0">
+              <a:latin typeface="+mn-ea"/>
+            </a:endParaRPr>
+          </a:p>
+          <a:p>
+            <a:pPr algn="ctr">
+              <a:lnSpc>
+                <a:spcPct val="150000"/>
+              </a:lnSpc>
+            </a:pPr>
+            <a:endParaRPr kumimoji="1" lang="en-US" altLang="ko-KR" sz="2800" b="1" dirty="0">
+              <a:latin typeface="+mn-ea"/>
+            </a:endParaRPr>
+          </a:p>
+          <a:p>
+            <a:pPr algn="ctr">
+              <a:lnSpc>
+                <a:spcPct val="150000"/>
+              </a:lnSpc>
+            </a:pPr>
+            <a:r>
+              <a:rPr kumimoji="1" lang="en-US" altLang="ko-KR" sz="2800" b="1" dirty="0">
+                <a:latin typeface="+mn-ea"/>
+              </a:rPr>
+              <a:t>=</a:t>
+            </a:r>
+          </a:p>
+          <a:p>
+            <a:pPr algn="ctr">
+              <a:lnSpc>
+                <a:spcPct val="150000"/>
+              </a:lnSpc>
+            </a:pPr>
+            <a:endParaRPr kumimoji="1" lang="en-US" altLang="ko-KR" sz="2800" b="1" dirty="0">
+              <a:latin typeface="+mn-ea"/>
+            </a:endParaRPr>
+          </a:p>
+          <a:p>
+            <a:pPr algn="ctr">
+              <a:lnSpc>
+                <a:spcPct val="150000"/>
+              </a:lnSpc>
+            </a:pPr>
+            <a:r>
+              <a:rPr kumimoji="1" lang="ko-KR" altLang="en-US" sz="2800" b="1" dirty="0">
+                <a:latin typeface="+mn-ea"/>
+              </a:rPr>
+              <a:t>필요할 때마다 필요한 만큼만 사용하고 반납</a:t>
+            </a:r>
+            <a:endParaRPr kumimoji="1" lang="en-US" altLang="ko-KR" sz="2800" b="1" dirty="0">
+              <a:latin typeface="+mn-ea"/>
+            </a:endParaRPr>
+          </a:p>
+        </p:txBody>
+      </p:sp>
+      <p:sp>
+        <p:nvSpPr>
+          <p:cNvPr id="7" name="TextBox 6">
+            <a:extLst>
+              <a:ext uri="{FF2B5EF4-FFF2-40B4-BE49-F238E27FC236}">
+                <a16:creationId xmlns:a16="http://schemas.microsoft.com/office/drawing/2014/main" id="{EF0ECE0C-A239-6A4B-95F0-AEDCF9A2ED56}"/>
+              </a:ext>
+            </a:extLst>
+          </p:cNvPr>
+          <p:cNvSpPr txBox="1"/>
+          <p:nvPr/>
+        </p:nvSpPr>
+        <p:spPr>
+          <a:xfrm>
+            <a:off x="633347" y="703244"/>
+            <a:ext cx="2351926" cy="707886"/>
+          </a:xfrm>
+          <a:prstGeom prst="rect">
+            <a:avLst/>
+          </a:prstGeom>
+          <a:noFill/>
+        </p:spPr>
+        <p:txBody>
+          <a:bodyPr wrap="none" rtlCol="0">
+            <a:spAutoFit/>
+          </a:bodyPr>
+          <a:lstStyle/>
+          <a:p>
+            <a:r>
+              <a:rPr kumimoji="1" lang="ko-KR" altLang="en-US" sz="4000" b="1" dirty="0"/>
+              <a:t>메모리 풀</a:t>
+            </a:r>
+            <a:endParaRPr kumimoji="1" lang="en-US" altLang="ko-KR" sz="4000" b="1" dirty="0">
+              <a:solidFill>
+                <a:srgbClr val="FF0000"/>
+              </a:solidFill>
+            </a:endParaRPr>
+          </a:p>
+        </p:txBody>
+      </p:sp>
+    </p:spTree>
+    <p:extLst>
+      <p:ext uri="{BB962C8B-B14F-4D97-AF65-F5344CB8AC3E}">
+        <p14:creationId xmlns:p14="http://schemas.microsoft.com/office/powerpoint/2010/main" val="3056539429"/>
+      </p:ext>
+    </p:extLst>
+  </p:cSld>
+  <p:clrMapOvr>
+    <a:masterClrMapping/>
+  </p:clrMapOvr>
+</p:sld>
+</file>
+
+<file path=ppt/slides/slide24.xml><?xml version="1.0" encoding="utf-8"?>
+<p:sld xmlns:a="http://schemas.openxmlformats.org/drawingml/2006/main" xmlns:r="http://schemas.openxmlformats.org/officeDocument/2006/relationships" xmlns:p="http://schemas.openxmlformats.org/presentationml/2006/main">
+  <p:cSld>
+    <p:spTree>
+      <p:nvGrpSpPr>
+        <p:cNvPr id="1" name=""/>
+        <p:cNvGrpSpPr/>
+        <p:nvPr/>
+      </p:nvGrpSpPr>
+      <p:grpSpPr>
+        <a:xfrm>
+          <a:off x="0" y="0"/>
+          <a:ext cx="0" cy="0"/>
+          <a:chOff x="0" y="0"/>
+          <a:chExt cx="0" cy="0"/>
+        </a:xfrm>
+      </p:grpSpPr>
+      <p:sp>
+        <p:nvSpPr>
+          <p:cNvPr id="6" name="TextBox 5">
+            <a:extLst>
+              <a:ext uri="{FF2B5EF4-FFF2-40B4-BE49-F238E27FC236}">
+                <a16:creationId xmlns:a16="http://schemas.microsoft.com/office/drawing/2014/main" id="{FE175470-028E-124A-8799-B0D7E22BD273}"/>
+              </a:ext>
+            </a:extLst>
+          </p:cNvPr>
+          <p:cNvSpPr txBox="1"/>
+          <p:nvPr/>
+        </p:nvSpPr>
+        <p:spPr>
+          <a:xfrm>
+            <a:off x="2149303" y="2810037"/>
+            <a:ext cx="7893508" cy="1301703"/>
+          </a:xfrm>
+          <a:prstGeom prst="rect">
+            <a:avLst/>
+          </a:prstGeom>
+          <a:noFill/>
+        </p:spPr>
+        <p:txBody>
+          <a:bodyPr wrap="none" rtlCol="0">
+            <a:spAutoFit/>
+          </a:bodyPr>
+          <a:lstStyle/>
+          <a:p>
+            <a:pPr algn="ctr">
+              <a:lnSpc>
+                <a:spcPct val="150000"/>
+              </a:lnSpc>
+            </a:pPr>
+            <a:r>
+              <a:rPr kumimoji="1" lang="ko-KR" altLang="en-US" sz="2800" b="1" dirty="0">
+                <a:latin typeface="+mn-ea"/>
+              </a:rPr>
+              <a:t>메모리의 일정 공간을 </a:t>
+            </a:r>
+            <a:r>
+              <a:rPr kumimoji="1" lang="ko-KR" altLang="en-US" sz="2800" b="1" dirty="0">
+                <a:solidFill>
+                  <a:srgbClr val="FF0000"/>
+                </a:solidFill>
+                <a:latin typeface="+mn-ea"/>
+              </a:rPr>
+              <a:t>미리 할당</a:t>
+            </a:r>
+            <a:r>
+              <a:rPr kumimoji="1" lang="ko-KR" altLang="en-US" sz="2800" b="1" dirty="0">
+                <a:latin typeface="+mn-ea"/>
+              </a:rPr>
+              <a:t>하고</a:t>
+            </a:r>
+            <a:r>
+              <a:rPr kumimoji="1" lang="en-US" altLang="ko-KR" sz="2800" b="1" dirty="0">
+                <a:latin typeface="+mn-ea"/>
+              </a:rPr>
+              <a:t>,</a:t>
+            </a:r>
+          </a:p>
+          <a:p>
+            <a:pPr algn="ctr">
+              <a:lnSpc>
+                <a:spcPct val="150000"/>
+              </a:lnSpc>
+            </a:pPr>
+            <a:r>
+              <a:rPr kumimoji="1" lang="ko-KR" altLang="en-US" sz="2800" b="1" dirty="0">
+                <a:latin typeface="+mn-ea"/>
+              </a:rPr>
+              <a:t>동적 할당을 하게 되면 그 공간에 채워주는 기법</a:t>
+            </a:r>
+            <a:endParaRPr kumimoji="1" lang="en-US" altLang="ko-KR" sz="2800" b="1" dirty="0">
+              <a:latin typeface="+mn-ea"/>
+            </a:endParaRPr>
+          </a:p>
+        </p:txBody>
+      </p:sp>
+      <p:sp>
+        <p:nvSpPr>
+          <p:cNvPr id="7" name="TextBox 6">
+            <a:extLst>
+              <a:ext uri="{FF2B5EF4-FFF2-40B4-BE49-F238E27FC236}">
+                <a16:creationId xmlns:a16="http://schemas.microsoft.com/office/drawing/2014/main" id="{EF0ECE0C-A239-6A4B-95F0-AEDCF9A2ED56}"/>
+              </a:ext>
+            </a:extLst>
+          </p:cNvPr>
+          <p:cNvSpPr txBox="1"/>
+          <p:nvPr/>
+        </p:nvSpPr>
+        <p:spPr>
+          <a:xfrm>
+            <a:off x="633347" y="703244"/>
+            <a:ext cx="2351926" cy="707886"/>
+          </a:xfrm>
+          <a:prstGeom prst="rect">
+            <a:avLst/>
+          </a:prstGeom>
+          <a:noFill/>
+        </p:spPr>
+        <p:txBody>
+          <a:bodyPr wrap="none" rtlCol="0">
+            <a:spAutoFit/>
+          </a:bodyPr>
+          <a:lstStyle/>
+          <a:p>
+            <a:r>
+              <a:rPr kumimoji="1" lang="ko-KR" altLang="en-US" sz="4000" b="1" dirty="0"/>
+              <a:t>메모리 풀</a:t>
+            </a:r>
+            <a:endParaRPr kumimoji="1" lang="en-US" altLang="ko-KR" sz="4000" b="1" dirty="0">
+              <a:solidFill>
+                <a:srgbClr val="FF0000"/>
+              </a:solidFill>
+            </a:endParaRPr>
+          </a:p>
+        </p:txBody>
+      </p:sp>
+      <p:sp>
+        <p:nvSpPr>
+          <p:cNvPr id="4" name="TextBox 3">
+            <a:extLst>
+              <a:ext uri="{FF2B5EF4-FFF2-40B4-BE49-F238E27FC236}">
+                <a16:creationId xmlns:a16="http://schemas.microsoft.com/office/drawing/2014/main" id="{48549A30-D34C-3146-98D0-FE5F900D721A}"/>
+              </a:ext>
+            </a:extLst>
+          </p:cNvPr>
+          <p:cNvSpPr txBox="1"/>
+          <p:nvPr/>
+        </p:nvSpPr>
+        <p:spPr>
+          <a:xfrm>
+            <a:off x="3236090" y="7155614"/>
+            <a:ext cx="5719836" cy="655372"/>
+          </a:xfrm>
+          <a:prstGeom prst="rect">
+            <a:avLst/>
+          </a:prstGeom>
+          <a:noFill/>
+        </p:spPr>
+        <p:txBody>
+          <a:bodyPr wrap="none" rtlCol="0">
+            <a:spAutoFit/>
+          </a:bodyPr>
+          <a:lstStyle/>
+          <a:p>
+            <a:pPr algn="ctr">
+              <a:lnSpc>
+                <a:spcPct val="150000"/>
+              </a:lnSpc>
+            </a:pPr>
+            <a:r>
+              <a:rPr kumimoji="1" lang="ko-KR" altLang="en-US" sz="2800" b="1" dirty="0">
+                <a:latin typeface="+mn-ea"/>
+              </a:rPr>
+              <a:t>할당과 해제로 인한 </a:t>
+            </a:r>
+            <a:r>
+              <a:rPr kumimoji="1" lang="ko-KR" altLang="en-US" sz="2800" b="1" dirty="0">
+                <a:solidFill>
+                  <a:srgbClr val="FF0000"/>
+                </a:solidFill>
+                <a:latin typeface="+mn-ea"/>
+              </a:rPr>
+              <a:t>외부 단편화 </a:t>
+            </a:r>
+            <a:r>
+              <a:rPr kumimoji="1" lang="en-US" altLang="ko-KR" sz="2800" b="1" dirty="0">
+                <a:solidFill>
+                  <a:srgbClr val="FF0000"/>
+                </a:solidFill>
+                <a:latin typeface="+mn-ea"/>
+              </a:rPr>
+              <a:t>X</a:t>
+            </a:r>
+          </a:p>
+        </p:txBody>
+      </p:sp>
+      <p:sp>
+        <p:nvSpPr>
+          <p:cNvPr id="2" name="아래쪽 화살표[D] 1">
+            <a:extLst>
+              <a:ext uri="{FF2B5EF4-FFF2-40B4-BE49-F238E27FC236}">
+                <a16:creationId xmlns:a16="http://schemas.microsoft.com/office/drawing/2014/main" id="{029E2C27-7595-F94E-B328-72BE63B52FDA}"/>
+              </a:ext>
+            </a:extLst>
+          </p:cNvPr>
+          <p:cNvSpPr/>
+          <p:nvPr/>
+        </p:nvSpPr>
+        <p:spPr>
+          <a:xfrm>
+            <a:off x="5292634" y="4767943"/>
+            <a:ext cx="1606732" cy="1920080"/>
+          </a:xfrm>
+          <a:prstGeom prst="downArrow">
+            <a:avLst/>
+          </a:prstGeom>
+          <a:solidFill>
+            <a:schemeClr val="accent1">
+              <a:lumMod val="60000"/>
+              <a:lumOff val="40000"/>
+            </a:schemeClr>
+          </a:solidFill>
+          <a:ln>
+            <a:noFill/>
+          </a:ln>
+        </p:spPr>
+        <p:style>
+          <a:lnRef idx="2">
+            <a:schemeClr val="accent1">
+              <a:shade val="50000"/>
+            </a:schemeClr>
+          </a:lnRef>
+          <a:fillRef idx="1">
+            <a:schemeClr val="accent1"/>
+          </a:fillRef>
+          <a:effectRef idx="0">
+            <a:schemeClr val="accent1"/>
+          </a:effectRef>
+          <a:fontRef idx="minor">
+            <a:schemeClr val="lt1"/>
+          </a:fontRef>
+        </p:style>
+        <p:txBody>
+          <a:bodyPr rtlCol="0" anchor="ctr"/>
+          <a:lstStyle/>
+          <a:p>
+            <a:pPr algn="ctr"/>
+            <a:endParaRPr kumimoji="1" lang="ko-KR" altLang="en-US"/>
+          </a:p>
+        </p:txBody>
+      </p:sp>
+    </p:spTree>
+    <p:extLst>
+      <p:ext uri="{BB962C8B-B14F-4D97-AF65-F5344CB8AC3E}">
+        <p14:creationId xmlns:p14="http://schemas.microsoft.com/office/powerpoint/2010/main" val="2304048586"/>
+      </p:ext>
+    </p:extLst>
+  </p:cSld>
+  <p:clrMapOvr>
+    <a:masterClrMapping/>
+  </p:clrMapOvr>
+</p:sld>
+</file>
+
+<file path=ppt/slides/slide25.xml><?xml version="1.0" encoding="utf-8"?>
+<p:sld xmlns:a="http://schemas.openxmlformats.org/drawingml/2006/main" xmlns:r="http://schemas.openxmlformats.org/officeDocument/2006/relationships" xmlns:p="http://schemas.openxmlformats.org/presentationml/2006/main">
+  <p:cSld>
+    <p:spTree>
+      <p:nvGrpSpPr>
+        <p:cNvPr id="1" name=""/>
+        <p:cNvGrpSpPr/>
+        <p:nvPr/>
+      </p:nvGrpSpPr>
+      <p:grpSpPr>
+        <a:xfrm>
+          <a:off x="0" y="0"/>
+          <a:ext cx="0" cy="0"/>
+          <a:chOff x="0" y="0"/>
+          <a:chExt cx="0" cy="0"/>
+        </a:xfrm>
+      </p:grpSpPr>
+      <p:sp>
+        <p:nvSpPr>
+          <p:cNvPr id="6" name="TextBox 5">
+            <a:extLst>
+              <a:ext uri="{FF2B5EF4-FFF2-40B4-BE49-F238E27FC236}">
+                <a16:creationId xmlns:a16="http://schemas.microsoft.com/office/drawing/2014/main" id="{FE175470-028E-124A-8799-B0D7E22BD273}"/>
+              </a:ext>
+            </a:extLst>
+          </p:cNvPr>
+          <p:cNvSpPr txBox="1"/>
+          <p:nvPr/>
+        </p:nvSpPr>
+        <p:spPr>
+          <a:xfrm>
+            <a:off x="2455477" y="3410928"/>
+            <a:ext cx="7281159" cy="655372"/>
+          </a:xfrm>
+          <a:prstGeom prst="rect">
+            <a:avLst/>
+          </a:prstGeom>
+          <a:noFill/>
+        </p:spPr>
+        <p:txBody>
+          <a:bodyPr wrap="none" rtlCol="0">
+            <a:spAutoFit/>
+          </a:bodyPr>
+          <a:lstStyle/>
+          <a:p>
+            <a:pPr algn="ctr">
+              <a:lnSpc>
+                <a:spcPct val="150000"/>
+              </a:lnSpc>
+            </a:pPr>
+            <a:r>
+              <a:rPr kumimoji="1" lang="ko-KR" altLang="en-US" sz="2800" b="1" dirty="0">
+                <a:latin typeface="+mn-ea"/>
+              </a:rPr>
+              <a:t>필요할 때마다 </a:t>
+            </a:r>
+            <a:r>
+              <a:rPr kumimoji="1" lang="ko-KR" altLang="en-US" sz="2800" b="1" dirty="0">
+                <a:solidFill>
+                  <a:srgbClr val="FF0000"/>
+                </a:solidFill>
+                <a:latin typeface="+mn-ea"/>
+              </a:rPr>
+              <a:t>필요한 만큼만 사용</a:t>
+            </a:r>
+            <a:r>
+              <a:rPr kumimoji="1" lang="ko-KR" altLang="en-US" sz="2800" b="1" dirty="0">
+                <a:latin typeface="+mn-ea"/>
+              </a:rPr>
+              <a:t>하고 반납</a:t>
+            </a:r>
+            <a:endParaRPr kumimoji="1" lang="en-US" altLang="ko-KR" sz="2800" b="1" dirty="0">
+              <a:latin typeface="+mn-ea"/>
+            </a:endParaRPr>
+          </a:p>
+        </p:txBody>
+      </p:sp>
+      <p:sp>
+        <p:nvSpPr>
+          <p:cNvPr id="7" name="TextBox 6">
+            <a:extLst>
+              <a:ext uri="{FF2B5EF4-FFF2-40B4-BE49-F238E27FC236}">
+                <a16:creationId xmlns:a16="http://schemas.microsoft.com/office/drawing/2014/main" id="{EF0ECE0C-A239-6A4B-95F0-AEDCF9A2ED56}"/>
+              </a:ext>
+            </a:extLst>
+          </p:cNvPr>
+          <p:cNvSpPr txBox="1"/>
+          <p:nvPr/>
+        </p:nvSpPr>
+        <p:spPr>
+          <a:xfrm>
+            <a:off x="633347" y="703244"/>
+            <a:ext cx="2351926" cy="707886"/>
+          </a:xfrm>
+          <a:prstGeom prst="rect">
+            <a:avLst/>
+          </a:prstGeom>
+          <a:noFill/>
+        </p:spPr>
+        <p:txBody>
+          <a:bodyPr wrap="none" rtlCol="0">
+            <a:spAutoFit/>
+          </a:bodyPr>
+          <a:lstStyle/>
+          <a:p>
+            <a:r>
+              <a:rPr kumimoji="1" lang="ko-KR" altLang="en-US" sz="4000" b="1" dirty="0"/>
+              <a:t>메모리 풀</a:t>
+            </a:r>
+            <a:endParaRPr kumimoji="1" lang="en-US" altLang="ko-KR" sz="4000" b="1" dirty="0">
+              <a:solidFill>
+                <a:srgbClr val="FF0000"/>
+              </a:solidFill>
+            </a:endParaRPr>
+          </a:p>
+        </p:txBody>
+      </p:sp>
+      <p:sp>
+        <p:nvSpPr>
+          <p:cNvPr id="5" name="아래쪽 화살표[D] 4">
+            <a:extLst>
+              <a:ext uri="{FF2B5EF4-FFF2-40B4-BE49-F238E27FC236}">
+                <a16:creationId xmlns:a16="http://schemas.microsoft.com/office/drawing/2014/main" id="{5FF44B00-8902-6545-B5C8-7B77923F7404}"/>
+              </a:ext>
+            </a:extLst>
+          </p:cNvPr>
+          <p:cNvSpPr/>
+          <p:nvPr/>
+        </p:nvSpPr>
+        <p:spPr>
+          <a:xfrm>
+            <a:off x="5292634" y="4767943"/>
+            <a:ext cx="1606732" cy="1920080"/>
+          </a:xfrm>
+          <a:prstGeom prst="downArrow">
+            <a:avLst/>
+          </a:prstGeom>
+          <a:solidFill>
+            <a:schemeClr val="accent1">
+              <a:lumMod val="60000"/>
+              <a:lumOff val="40000"/>
+            </a:schemeClr>
+          </a:solidFill>
+          <a:ln>
+            <a:noFill/>
+          </a:ln>
+        </p:spPr>
+        <p:style>
+          <a:lnRef idx="2">
+            <a:schemeClr val="accent1">
+              <a:shade val="50000"/>
+            </a:schemeClr>
+          </a:lnRef>
+          <a:fillRef idx="1">
+            <a:schemeClr val="accent1"/>
+          </a:fillRef>
+          <a:effectRef idx="0">
+            <a:schemeClr val="accent1"/>
+          </a:effectRef>
+          <a:fontRef idx="minor">
+            <a:schemeClr val="lt1"/>
+          </a:fontRef>
+        </p:style>
+        <p:txBody>
+          <a:bodyPr rtlCol="0" anchor="ctr"/>
+          <a:lstStyle/>
+          <a:p>
+            <a:pPr algn="ctr"/>
+            <a:endParaRPr kumimoji="1" lang="ko-KR" altLang="en-US"/>
+          </a:p>
+        </p:txBody>
+      </p:sp>
+      <p:sp>
+        <p:nvSpPr>
+          <p:cNvPr id="8" name="TextBox 7">
+            <a:extLst>
+              <a:ext uri="{FF2B5EF4-FFF2-40B4-BE49-F238E27FC236}">
+                <a16:creationId xmlns:a16="http://schemas.microsoft.com/office/drawing/2014/main" id="{4BB74AEF-3C17-3843-BC19-0CEBAE4266A7}"/>
+              </a:ext>
+            </a:extLst>
+          </p:cNvPr>
+          <p:cNvSpPr txBox="1"/>
+          <p:nvPr/>
+        </p:nvSpPr>
+        <p:spPr>
+          <a:xfrm>
+            <a:off x="4862331" y="7389666"/>
+            <a:ext cx="2467342" cy="655372"/>
+          </a:xfrm>
+          <a:prstGeom prst="rect">
+            <a:avLst/>
+          </a:prstGeom>
+          <a:noFill/>
+        </p:spPr>
+        <p:txBody>
+          <a:bodyPr wrap="none" rtlCol="0">
+            <a:spAutoFit/>
+          </a:bodyPr>
+          <a:lstStyle/>
+          <a:p>
+            <a:pPr algn="ctr">
+              <a:lnSpc>
+                <a:spcPct val="150000"/>
+              </a:lnSpc>
+            </a:pPr>
+            <a:r>
+              <a:rPr kumimoji="1" lang="ko-KR" altLang="en-US" sz="2800" b="1" dirty="0">
+                <a:solidFill>
+                  <a:srgbClr val="FF0000"/>
+                </a:solidFill>
+                <a:latin typeface="+mn-ea"/>
+              </a:rPr>
+              <a:t>내부 단편화 </a:t>
+            </a:r>
+            <a:r>
+              <a:rPr kumimoji="1" lang="en-US" altLang="ko-KR" sz="2800" b="1" dirty="0">
+                <a:solidFill>
+                  <a:srgbClr val="FF0000"/>
+                </a:solidFill>
+                <a:latin typeface="+mn-ea"/>
+              </a:rPr>
+              <a:t>X</a:t>
+            </a:r>
+          </a:p>
+        </p:txBody>
+      </p:sp>
+    </p:spTree>
+    <p:extLst>
+      <p:ext uri="{BB962C8B-B14F-4D97-AF65-F5344CB8AC3E}">
+        <p14:creationId xmlns:p14="http://schemas.microsoft.com/office/powerpoint/2010/main" val="1158152177"/>
+      </p:ext>
+    </p:extLst>
+  </p:cSld>
+  <p:clrMapOvr>
+    <a:masterClrMapping/>
+  </p:clrMapOvr>
+</p:sld>
+</file>
+
+<file path=ppt/slides/slide26.xml><?xml version="1.0" encoding="utf-8"?>
+<p:sld xmlns:a="http://schemas.openxmlformats.org/drawingml/2006/main" xmlns:r="http://schemas.openxmlformats.org/officeDocument/2006/relationships" xmlns:p="http://schemas.openxmlformats.org/presentationml/2006/main">
+  <p:cSld>
+    <p:spTree>
+      <p:nvGrpSpPr>
+        <p:cNvPr id="1" name=""/>
+        <p:cNvGrpSpPr/>
+        <p:nvPr/>
+      </p:nvGrpSpPr>
+      <p:grpSpPr>
+        <a:xfrm>
+          <a:off x="0" y="0"/>
+          <a:ext cx="0" cy="0"/>
+          <a:chOff x="0" y="0"/>
+          <a:chExt cx="0" cy="0"/>
+        </a:xfrm>
+      </p:grpSpPr>
+      <p:sp>
+        <p:nvSpPr>
+          <p:cNvPr id="6" name="TextBox 5">
+            <a:extLst>
+              <a:ext uri="{FF2B5EF4-FFF2-40B4-BE49-F238E27FC236}">
+                <a16:creationId xmlns:a16="http://schemas.microsoft.com/office/drawing/2014/main" id="{FE175470-028E-124A-8799-B0D7E22BD273}"/>
+              </a:ext>
+            </a:extLst>
+          </p:cNvPr>
+          <p:cNvSpPr txBox="1"/>
+          <p:nvPr/>
+        </p:nvSpPr>
+        <p:spPr>
+          <a:xfrm>
+            <a:off x="4000776" y="2759244"/>
+            <a:ext cx="4190571" cy="1301703"/>
+          </a:xfrm>
+          <a:prstGeom prst="rect">
+            <a:avLst/>
+          </a:prstGeom>
+          <a:noFill/>
+        </p:spPr>
+        <p:txBody>
+          <a:bodyPr wrap="none" rtlCol="0">
+            <a:spAutoFit/>
+          </a:bodyPr>
+          <a:lstStyle/>
+          <a:p>
+            <a:pPr algn="ctr">
+              <a:lnSpc>
+                <a:spcPct val="150000"/>
+              </a:lnSpc>
+            </a:pPr>
+            <a:r>
+              <a:rPr kumimoji="1" lang="en-US" altLang="ko-KR" sz="2800" b="1" dirty="0">
+                <a:latin typeface="+mn-ea"/>
+              </a:rPr>
+              <a:t>but,</a:t>
+            </a:r>
+          </a:p>
+          <a:p>
+            <a:pPr algn="ctr">
+              <a:lnSpc>
+                <a:spcPct val="150000"/>
+              </a:lnSpc>
+            </a:pPr>
+            <a:r>
+              <a:rPr kumimoji="1" lang="ko-KR" altLang="en-US" sz="2800" b="1" dirty="0">
+                <a:latin typeface="+mn-ea"/>
+              </a:rPr>
+              <a:t>할당하고 쓰지 않는다면</a:t>
+            </a:r>
+            <a:r>
+              <a:rPr kumimoji="1" lang="en-US" altLang="ko-KR" sz="2800" b="1" dirty="0">
+                <a:latin typeface="+mn-ea"/>
+              </a:rPr>
+              <a:t>?</a:t>
+            </a:r>
+          </a:p>
+        </p:txBody>
+      </p:sp>
+      <p:sp>
+        <p:nvSpPr>
+          <p:cNvPr id="7" name="TextBox 6">
+            <a:extLst>
+              <a:ext uri="{FF2B5EF4-FFF2-40B4-BE49-F238E27FC236}">
+                <a16:creationId xmlns:a16="http://schemas.microsoft.com/office/drawing/2014/main" id="{EF0ECE0C-A239-6A4B-95F0-AEDCF9A2ED56}"/>
+              </a:ext>
+            </a:extLst>
+          </p:cNvPr>
+          <p:cNvSpPr txBox="1"/>
+          <p:nvPr/>
+        </p:nvSpPr>
+        <p:spPr>
+          <a:xfrm>
+            <a:off x="633347" y="703244"/>
+            <a:ext cx="2351926" cy="707886"/>
+          </a:xfrm>
+          <a:prstGeom prst="rect">
+            <a:avLst/>
+          </a:prstGeom>
+          <a:noFill/>
+        </p:spPr>
+        <p:txBody>
+          <a:bodyPr wrap="none" rtlCol="0">
+            <a:spAutoFit/>
+          </a:bodyPr>
+          <a:lstStyle/>
+          <a:p>
+            <a:r>
+              <a:rPr kumimoji="1" lang="ko-KR" altLang="en-US" sz="4000" b="1" dirty="0"/>
+              <a:t>메모리 풀</a:t>
+            </a:r>
+            <a:endParaRPr kumimoji="1" lang="en-US" altLang="ko-KR" sz="4000" b="1" dirty="0">
+              <a:solidFill>
+                <a:srgbClr val="FF0000"/>
+              </a:solidFill>
+            </a:endParaRPr>
+          </a:p>
+        </p:txBody>
+      </p:sp>
+    </p:spTree>
+    <p:extLst>
+      <p:ext uri="{BB962C8B-B14F-4D97-AF65-F5344CB8AC3E}">
+        <p14:creationId xmlns:p14="http://schemas.microsoft.com/office/powerpoint/2010/main" val="931527018"/>
+      </p:ext>
+    </p:extLst>
+  </p:cSld>
+  <p:clrMapOvr>
+    <a:masterClrMapping/>
+  </p:clrMapOvr>
+</p:sld>
+</file>
+
+<file path=ppt/slides/slide27.xml><?xml version="1.0" encoding="utf-8"?>
+<p:sld xmlns:a="http://schemas.openxmlformats.org/drawingml/2006/main" xmlns:r="http://schemas.openxmlformats.org/officeDocument/2006/relationships" xmlns:p="http://schemas.openxmlformats.org/presentationml/2006/main">
+  <p:cSld>
+    <p:spTree>
+      <p:nvGrpSpPr>
+        <p:cNvPr id="1" name=""/>
+        <p:cNvGrpSpPr/>
+        <p:nvPr/>
+      </p:nvGrpSpPr>
+      <p:grpSpPr>
+        <a:xfrm>
+          <a:off x="0" y="0"/>
+          <a:ext cx="0" cy="0"/>
+          <a:chOff x="0" y="0"/>
+          <a:chExt cx="0" cy="0"/>
+        </a:xfrm>
+      </p:grpSpPr>
+      <p:sp>
+        <p:nvSpPr>
+          <p:cNvPr id="6" name="TextBox 5">
+            <a:extLst>
+              <a:ext uri="{FF2B5EF4-FFF2-40B4-BE49-F238E27FC236}">
+                <a16:creationId xmlns:a16="http://schemas.microsoft.com/office/drawing/2014/main" id="{FE175470-028E-124A-8799-B0D7E22BD273}"/>
+              </a:ext>
+            </a:extLst>
+          </p:cNvPr>
+          <p:cNvSpPr txBox="1"/>
+          <p:nvPr/>
+        </p:nvSpPr>
+        <p:spPr>
+          <a:xfrm>
+            <a:off x="4000776" y="2759244"/>
+            <a:ext cx="4190571" cy="1301703"/>
+          </a:xfrm>
+          <a:prstGeom prst="rect">
+            <a:avLst/>
+          </a:prstGeom>
+          <a:noFill/>
+        </p:spPr>
+        <p:txBody>
+          <a:bodyPr wrap="none" rtlCol="0">
+            <a:spAutoFit/>
+          </a:bodyPr>
+          <a:lstStyle/>
+          <a:p>
+            <a:pPr algn="ctr">
+              <a:lnSpc>
+                <a:spcPct val="150000"/>
+              </a:lnSpc>
+            </a:pPr>
+            <a:r>
+              <a:rPr kumimoji="1" lang="en-US" altLang="ko-KR" sz="2800" b="1" dirty="0">
+                <a:latin typeface="+mn-ea"/>
+              </a:rPr>
+              <a:t>but,</a:t>
+            </a:r>
+          </a:p>
+          <a:p>
+            <a:pPr algn="ctr">
+              <a:lnSpc>
+                <a:spcPct val="150000"/>
+              </a:lnSpc>
+            </a:pPr>
+            <a:r>
+              <a:rPr kumimoji="1" lang="ko-KR" altLang="en-US" sz="2800" b="1" dirty="0">
+                <a:latin typeface="+mn-ea"/>
+              </a:rPr>
+              <a:t>할당하고 쓰지 않는다면</a:t>
+            </a:r>
+            <a:r>
+              <a:rPr kumimoji="1" lang="en-US" altLang="ko-KR" sz="2800" b="1" dirty="0">
+                <a:latin typeface="+mn-ea"/>
+              </a:rPr>
+              <a:t>?</a:t>
+            </a:r>
+          </a:p>
+        </p:txBody>
+      </p:sp>
+      <p:sp>
+        <p:nvSpPr>
+          <p:cNvPr id="7" name="TextBox 6">
+            <a:extLst>
+              <a:ext uri="{FF2B5EF4-FFF2-40B4-BE49-F238E27FC236}">
+                <a16:creationId xmlns:a16="http://schemas.microsoft.com/office/drawing/2014/main" id="{EF0ECE0C-A239-6A4B-95F0-AEDCF9A2ED56}"/>
+              </a:ext>
+            </a:extLst>
+          </p:cNvPr>
+          <p:cNvSpPr txBox="1"/>
+          <p:nvPr/>
+        </p:nvSpPr>
+        <p:spPr>
+          <a:xfrm>
+            <a:off x="633347" y="703244"/>
+            <a:ext cx="2351926" cy="707886"/>
+          </a:xfrm>
+          <a:prstGeom prst="rect">
+            <a:avLst/>
+          </a:prstGeom>
+          <a:noFill/>
+        </p:spPr>
+        <p:txBody>
+          <a:bodyPr wrap="none" rtlCol="0">
+            <a:spAutoFit/>
+          </a:bodyPr>
+          <a:lstStyle/>
+          <a:p>
+            <a:r>
+              <a:rPr kumimoji="1" lang="ko-KR" altLang="en-US" sz="4000" b="1" dirty="0"/>
+              <a:t>메모리 풀</a:t>
+            </a:r>
+            <a:endParaRPr kumimoji="1" lang="en-US" altLang="ko-KR" sz="4000" b="1" dirty="0">
+              <a:solidFill>
+                <a:srgbClr val="FF0000"/>
+              </a:solidFill>
+            </a:endParaRPr>
+          </a:p>
+        </p:txBody>
+      </p:sp>
+      <p:sp>
+        <p:nvSpPr>
+          <p:cNvPr id="5" name="아래쪽 화살표[D] 4">
+            <a:extLst>
+              <a:ext uri="{FF2B5EF4-FFF2-40B4-BE49-F238E27FC236}">
+                <a16:creationId xmlns:a16="http://schemas.microsoft.com/office/drawing/2014/main" id="{5FF44B00-8902-6545-B5C8-7B77923F7404}"/>
+              </a:ext>
+            </a:extLst>
+          </p:cNvPr>
+          <p:cNvSpPr/>
+          <p:nvPr/>
+        </p:nvSpPr>
+        <p:spPr>
+          <a:xfrm>
+            <a:off x="5292634" y="4767943"/>
+            <a:ext cx="1606732" cy="1920080"/>
+          </a:xfrm>
+          <a:prstGeom prst="downArrow">
+            <a:avLst/>
+          </a:prstGeom>
+          <a:solidFill>
+            <a:schemeClr val="accent1">
+              <a:lumMod val="60000"/>
+              <a:lumOff val="40000"/>
+            </a:schemeClr>
+          </a:solidFill>
+          <a:ln>
+            <a:noFill/>
+          </a:ln>
+        </p:spPr>
+        <p:style>
+          <a:lnRef idx="2">
+            <a:schemeClr val="accent1">
+              <a:shade val="50000"/>
+            </a:schemeClr>
+          </a:lnRef>
+          <a:fillRef idx="1">
+            <a:schemeClr val="accent1"/>
+          </a:fillRef>
+          <a:effectRef idx="0">
+            <a:schemeClr val="accent1"/>
+          </a:effectRef>
+          <a:fontRef idx="minor">
+            <a:schemeClr val="lt1"/>
+          </a:fontRef>
+        </p:style>
+        <p:txBody>
+          <a:bodyPr rtlCol="0" anchor="ctr"/>
+          <a:lstStyle/>
+          <a:p>
+            <a:pPr algn="ctr"/>
+            <a:endParaRPr kumimoji="1" lang="ko-KR" altLang="en-US"/>
+          </a:p>
+        </p:txBody>
+      </p:sp>
+      <p:sp>
+        <p:nvSpPr>
+          <p:cNvPr id="8" name="TextBox 7">
+            <a:extLst>
+              <a:ext uri="{FF2B5EF4-FFF2-40B4-BE49-F238E27FC236}">
+                <a16:creationId xmlns:a16="http://schemas.microsoft.com/office/drawing/2014/main" id="{4BB74AEF-3C17-3843-BC19-0CEBAE4266A7}"/>
+              </a:ext>
+            </a:extLst>
+          </p:cNvPr>
+          <p:cNvSpPr txBox="1"/>
+          <p:nvPr/>
+        </p:nvSpPr>
+        <p:spPr>
+          <a:xfrm>
+            <a:off x="4197887" y="7389666"/>
+            <a:ext cx="3796232" cy="655372"/>
+          </a:xfrm>
+          <a:prstGeom prst="rect">
+            <a:avLst/>
+          </a:prstGeom>
+          <a:noFill/>
+        </p:spPr>
+        <p:txBody>
+          <a:bodyPr wrap="none" rtlCol="0">
+            <a:spAutoFit/>
+          </a:bodyPr>
+          <a:lstStyle/>
+          <a:p>
+            <a:pPr algn="ctr">
+              <a:lnSpc>
+                <a:spcPct val="150000"/>
+              </a:lnSpc>
+            </a:pPr>
+            <a:r>
+              <a:rPr kumimoji="1" lang="ko-KR" altLang="en-US" sz="2800" b="1" dirty="0">
+                <a:solidFill>
+                  <a:srgbClr val="FF0000"/>
+                </a:solidFill>
+                <a:latin typeface="+mn-ea"/>
+              </a:rPr>
+              <a:t>메모리 누수 발생 가능</a:t>
+            </a:r>
+            <a:endParaRPr kumimoji="1" lang="en-US" altLang="ko-KR" sz="2800" b="1" dirty="0">
+              <a:solidFill>
+                <a:srgbClr val="FF0000"/>
+              </a:solidFill>
+              <a:latin typeface="+mn-ea"/>
+            </a:endParaRPr>
+          </a:p>
+        </p:txBody>
+      </p:sp>
+    </p:spTree>
+    <p:extLst>
+      <p:ext uri="{BB962C8B-B14F-4D97-AF65-F5344CB8AC3E}">
+        <p14:creationId xmlns:p14="http://schemas.microsoft.com/office/powerpoint/2010/main" val="3040255549"/>
+      </p:ext>
+    </p:extLst>
+  </p:cSld>
+  <p:clrMapOvr>
+    <a:masterClrMapping/>
+  </p:clrMapOvr>
+</p:sld>
+</file>
+
+<file path=ppt/slides/slide28.xml><?xml version="1.0" encoding="utf-8"?>
+<p:sld xmlns:a="http://schemas.openxmlformats.org/drawingml/2006/main" xmlns:r="http://schemas.openxmlformats.org/officeDocument/2006/relationships" xmlns:p="http://schemas.openxmlformats.org/presentationml/2006/main">
+  <p:cSld>
+    <p:spTree>
+      <p:nvGrpSpPr>
+        <p:cNvPr id="1" name=""/>
+        <p:cNvGrpSpPr/>
+        <p:nvPr/>
+      </p:nvGrpSpPr>
+      <p:grpSpPr>
+        <a:xfrm>
+          <a:off x="0" y="0"/>
+          <a:ext cx="0" cy="0"/>
+          <a:chOff x="0" y="0"/>
+          <a:chExt cx="0" cy="0"/>
+        </a:xfrm>
+      </p:grpSpPr>
+      <p:sp>
+        <p:nvSpPr>
+          <p:cNvPr id="6" name="TextBox 5">
+            <a:extLst>
+              <a:ext uri="{FF2B5EF4-FFF2-40B4-BE49-F238E27FC236}">
+                <a16:creationId xmlns:a16="http://schemas.microsoft.com/office/drawing/2014/main" id="{FE175470-028E-124A-8799-B0D7E22BD273}"/>
+              </a:ext>
+            </a:extLst>
+          </p:cNvPr>
+          <p:cNvSpPr txBox="1"/>
+          <p:nvPr/>
+        </p:nvSpPr>
+        <p:spPr>
+          <a:xfrm>
+            <a:off x="1840739" y="4102698"/>
+            <a:ext cx="8510663" cy="2594365"/>
+          </a:xfrm>
+          <a:prstGeom prst="rect">
+            <a:avLst/>
+          </a:prstGeom>
+          <a:noFill/>
+        </p:spPr>
+        <p:txBody>
+          <a:bodyPr wrap="none" rtlCol="0">
+            <a:spAutoFit/>
+          </a:bodyPr>
+          <a:lstStyle/>
+          <a:p>
+            <a:pPr algn="ctr">
+              <a:lnSpc>
+                <a:spcPct val="150000"/>
+              </a:lnSpc>
+            </a:pPr>
+            <a:r>
+              <a:rPr kumimoji="1" lang="ko-KR" altLang="en-US" sz="2800" b="1" u="sng" dirty="0">
+                <a:latin typeface="+mn-ea"/>
+              </a:rPr>
+              <a:t>메모리 </a:t>
+            </a:r>
+            <a:r>
+              <a:rPr kumimoji="1" lang="ko-KR" altLang="en-US" sz="2800" b="1" u="sng" dirty="0" err="1">
+                <a:latin typeface="+mn-ea"/>
+              </a:rPr>
+              <a:t>단편화로</a:t>
+            </a:r>
+            <a:r>
+              <a:rPr kumimoji="1" lang="ko-KR" altLang="en-US" sz="2800" b="1" u="sng" dirty="0">
+                <a:latin typeface="+mn-ea"/>
+              </a:rPr>
+              <a:t> 인한 낭비 </a:t>
+            </a:r>
+            <a:r>
+              <a:rPr kumimoji="1" lang="en-US" altLang="ko-KR" sz="2800" b="1" u="sng" dirty="0">
+                <a:latin typeface="+mn-ea"/>
+              </a:rPr>
+              <a:t>&lt;</a:t>
+            </a:r>
+            <a:r>
+              <a:rPr kumimoji="1" lang="ko-KR" altLang="en-US" sz="2800" b="1" u="sng" dirty="0">
+                <a:latin typeface="+mn-ea"/>
+              </a:rPr>
+              <a:t> 사용하지 않는 메모리</a:t>
+            </a:r>
+            <a:endParaRPr kumimoji="1" lang="en-US" altLang="ko-KR" sz="2800" b="1" u="sng" dirty="0">
+              <a:latin typeface="+mn-ea"/>
+            </a:endParaRPr>
+          </a:p>
+          <a:p>
+            <a:pPr algn="ctr">
+              <a:lnSpc>
+                <a:spcPct val="150000"/>
+              </a:lnSpc>
+            </a:pPr>
+            <a:endParaRPr kumimoji="1" lang="en-US" altLang="ko-KR" sz="2800" b="1" dirty="0">
+              <a:latin typeface="+mn-ea"/>
+            </a:endParaRPr>
+          </a:p>
+          <a:p>
+            <a:pPr algn="ctr">
+              <a:lnSpc>
+                <a:spcPct val="150000"/>
+              </a:lnSpc>
+            </a:pPr>
+            <a:r>
+              <a:rPr kumimoji="1" lang="ko-KR" altLang="en-US" sz="2800" b="1" dirty="0">
+                <a:latin typeface="+mn-ea"/>
+              </a:rPr>
+              <a:t>의 경우</a:t>
+            </a:r>
+            <a:r>
+              <a:rPr kumimoji="1" lang="en-US" altLang="ko-KR" sz="2800" b="1" dirty="0">
+                <a:latin typeface="+mn-ea"/>
+              </a:rPr>
+              <a:t>,</a:t>
+            </a:r>
+          </a:p>
+          <a:p>
+            <a:pPr algn="ctr">
+              <a:lnSpc>
+                <a:spcPct val="150000"/>
+              </a:lnSpc>
+            </a:pPr>
+            <a:r>
+              <a:rPr kumimoji="1" lang="ko-KR" altLang="en-US" sz="2800" b="1" dirty="0">
+                <a:latin typeface="+mn-ea"/>
+              </a:rPr>
+              <a:t>메모리 풀을 사용하지 않는 게 낫다</a:t>
+            </a:r>
+            <a:r>
+              <a:rPr kumimoji="1" lang="en-US" altLang="ko-KR" sz="2800" b="1" dirty="0">
+                <a:latin typeface="+mn-ea"/>
+              </a:rPr>
+              <a:t>.</a:t>
+            </a:r>
+          </a:p>
+        </p:txBody>
+      </p:sp>
+      <p:sp>
+        <p:nvSpPr>
+          <p:cNvPr id="7" name="TextBox 6">
+            <a:extLst>
+              <a:ext uri="{FF2B5EF4-FFF2-40B4-BE49-F238E27FC236}">
+                <a16:creationId xmlns:a16="http://schemas.microsoft.com/office/drawing/2014/main" id="{EF0ECE0C-A239-6A4B-95F0-AEDCF9A2ED56}"/>
+              </a:ext>
+            </a:extLst>
+          </p:cNvPr>
+          <p:cNvSpPr txBox="1"/>
+          <p:nvPr/>
+        </p:nvSpPr>
+        <p:spPr>
+          <a:xfrm>
+            <a:off x="633347" y="703244"/>
+            <a:ext cx="2351926" cy="707886"/>
+          </a:xfrm>
+          <a:prstGeom prst="rect">
+            <a:avLst/>
+          </a:prstGeom>
+          <a:noFill/>
+        </p:spPr>
+        <p:txBody>
+          <a:bodyPr wrap="none" rtlCol="0">
+            <a:spAutoFit/>
+          </a:bodyPr>
+          <a:lstStyle/>
+          <a:p>
+            <a:r>
+              <a:rPr kumimoji="1" lang="ko-KR" altLang="en-US" sz="4000" b="1" dirty="0"/>
+              <a:t>메모리 풀</a:t>
+            </a:r>
+            <a:endParaRPr kumimoji="1" lang="en-US" altLang="ko-KR" sz="4000" b="1" dirty="0">
+              <a:solidFill>
+                <a:srgbClr val="FF0000"/>
+              </a:solidFill>
+            </a:endParaRPr>
+          </a:p>
+        </p:txBody>
+      </p:sp>
+    </p:spTree>
+    <p:extLst>
+      <p:ext uri="{BB962C8B-B14F-4D97-AF65-F5344CB8AC3E}">
+        <p14:creationId xmlns:p14="http://schemas.microsoft.com/office/powerpoint/2010/main" val="2686416255"/>
+      </p:ext>
+    </p:extLst>
+  </p:cSld>
+  <p:clrMapOvr>
+    <a:masterClrMapping/>
+  </p:clrMapOvr>
+</p:sld>
+</file>
+
+<file path=ppt/slides/slide29.xml><?xml version="1.0" encoding="utf-8"?>
+<p:sld xmlns:a="http://schemas.openxmlformats.org/drawingml/2006/main" xmlns:r="http://schemas.openxmlformats.org/officeDocument/2006/relationships" xmlns:p="http://schemas.openxmlformats.org/presentationml/2006/main">
+  <p:cSld>
+    <p:spTree>
+      <p:nvGrpSpPr>
+        <p:cNvPr id="1" name=""/>
+        <p:cNvGrpSpPr/>
+        <p:nvPr/>
+      </p:nvGrpSpPr>
+      <p:grpSpPr>
+        <a:xfrm>
+          <a:off x="0" y="0"/>
+          <a:ext cx="0" cy="0"/>
+          <a:chOff x="0" y="0"/>
+          <a:chExt cx="0" cy="0"/>
+        </a:xfrm>
+      </p:grpSpPr>
+      <p:sp>
+        <p:nvSpPr>
           <p:cNvPr id="41" name="TextBox 40">
             <a:extLst>
               <a:ext uri="{FF2B5EF4-FFF2-40B4-BE49-F238E27FC236}">
